--- a/Vortrag/Review_Lastenheft_Folien.pptx
+++ b/Vortrag/Review_Lastenheft_Folien.pptx
@@ -17,22 +17,22 @@
     <p:sldId id="284" r:id="rId11"/>
     <p:sldId id="299" r:id="rId12"/>
     <p:sldId id="285" r:id="rId13"/>
-    <p:sldId id="286" r:id="rId14"/>
-    <p:sldId id="287" r:id="rId15"/>
+    <p:sldId id="287" r:id="rId14"/>
+    <p:sldId id="286" r:id="rId15"/>
     <p:sldId id="296" r:id="rId16"/>
     <p:sldId id="273" r:id="rId17"/>
     <p:sldId id="288" r:id="rId18"/>
     <p:sldId id="297" r:id="rId19"/>
-    <p:sldId id="290" r:id="rId20"/>
-    <p:sldId id="270" r:id="rId21"/>
-    <p:sldId id="276" r:id="rId22"/>
-    <p:sldId id="293" r:id="rId23"/>
-    <p:sldId id="294" r:id="rId24"/>
-    <p:sldId id="295" r:id="rId25"/>
-    <p:sldId id="275" r:id="rId26"/>
-    <p:sldId id="277" r:id="rId27"/>
-    <p:sldId id="291" r:id="rId28"/>
-    <p:sldId id="292" r:id="rId29"/>
+    <p:sldId id="270" r:id="rId20"/>
+    <p:sldId id="276" r:id="rId21"/>
+    <p:sldId id="293" r:id="rId22"/>
+    <p:sldId id="294" r:id="rId23"/>
+    <p:sldId id="295" r:id="rId24"/>
+    <p:sldId id="275" r:id="rId25"/>
+    <p:sldId id="277" r:id="rId26"/>
+    <p:sldId id="291" r:id="rId27"/>
+    <p:sldId id="292" r:id="rId28"/>
+    <p:sldId id="300" r:id="rId29"/>
   </p:sldIdLst>
   <p:sldSz cx="12192000" cy="6858000"/>
   <p:notesSz cx="6858000" cy="9144000"/>
@@ -367,7 +367,7 @@
           <a:p>
             <a:fld id="{6D8BD130-4B8C-45D6-91C0-38C0D5F609A2}" type="datetimeFigureOut">
               <a:rPr lang="de-DE" smtClean="0"/>
-              <a:t>11.12.2017</a:t>
+              <a:t>12.12.2017</a:t>
             </a:fld>
             <a:endParaRPr lang="de-DE"/>
           </a:p>
@@ -537,7 +537,7 @@
           <a:p>
             <a:fld id="{6D8BD130-4B8C-45D6-91C0-38C0D5F609A2}" type="datetimeFigureOut">
               <a:rPr lang="de-DE" smtClean="0"/>
-              <a:t>11.12.2017</a:t>
+              <a:t>12.12.2017</a:t>
             </a:fld>
             <a:endParaRPr lang="de-DE"/>
           </a:p>
@@ -717,7 +717,7 @@
           <a:p>
             <a:fld id="{6D8BD130-4B8C-45D6-91C0-38C0D5F609A2}" type="datetimeFigureOut">
               <a:rPr lang="de-DE" smtClean="0"/>
-              <a:t>11.12.2017</a:t>
+              <a:t>12.12.2017</a:t>
             </a:fld>
             <a:endParaRPr lang="de-DE"/>
           </a:p>
@@ -887,7 +887,7 @@
           <a:p>
             <a:fld id="{6D8BD130-4B8C-45D6-91C0-38C0D5F609A2}" type="datetimeFigureOut">
               <a:rPr lang="de-DE" smtClean="0"/>
-              <a:t>11.12.2017</a:t>
+              <a:t>12.12.2017</a:t>
             </a:fld>
             <a:endParaRPr lang="de-DE"/>
           </a:p>
@@ -1145,7 +1145,7 @@
           <a:p>
             <a:fld id="{6D8BD130-4B8C-45D6-91C0-38C0D5F609A2}" type="datetimeFigureOut">
               <a:rPr lang="de-DE" smtClean="0"/>
-              <a:t>11.12.2017</a:t>
+              <a:t>12.12.2017</a:t>
             </a:fld>
             <a:endParaRPr lang="de-DE"/>
           </a:p>
@@ -1433,7 +1433,7 @@
           <a:p>
             <a:fld id="{6D8BD130-4B8C-45D6-91C0-38C0D5F609A2}" type="datetimeFigureOut">
               <a:rPr lang="de-DE" smtClean="0"/>
-              <a:t>11.12.2017</a:t>
+              <a:t>12.12.2017</a:t>
             </a:fld>
             <a:endParaRPr lang="de-DE"/>
           </a:p>
@@ -1875,7 +1875,7 @@
           <a:p>
             <a:fld id="{6D8BD130-4B8C-45D6-91C0-38C0D5F609A2}" type="datetimeFigureOut">
               <a:rPr lang="de-DE" smtClean="0"/>
-              <a:t>11.12.2017</a:t>
+              <a:t>12.12.2017</a:t>
             </a:fld>
             <a:endParaRPr lang="de-DE"/>
           </a:p>
@@ -1993,7 +1993,7 @@
           <a:p>
             <a:fld id="{6D8BD130-4B8C-45D6-91C0-38C0D5F609A2}" type="datetimeFigureOut">
               <a:rPr lang="de-DE" smtClean="0"/>
-              <a:t>11.12.2017</a:t>
+              <a:t>12.12.2017</a:t>
             </a:fld>
             <a:endParaRPr lang="de-DE"/>
           </a:p>
@@ -2088,7 +2088,7 @@
           <a:p>
             <a:fld id="{6D8BD130-4B8C-45D6-91C0-38C0D5F609A2}" type="datetimeFigureOut">
               <a:rPr lang="de-DE" smtClean="0"/>
-              <a:t>11.12.2017</a:t>
+              <a:t>12.12.2017</a:t>
             </a:fld>
             <a:endParaRPr lang="de-DE"/>
           </a:p>
@@ -2376,7 +2376,7 @@
           <a:p>
             <a:fld id="{6D8BD130-4B8C-45D6-91C0-38C0D5F609A2}" type="datetimeFigureOut">
               <a:rPr lang="de-DE" smtClean="0"/>
-              <a:t>11.12.2017</a:t>
+              <a:t>12.12.2017</a:t>
             </a:fld>
             <a:endParaRPr lang="de-DE"/>
           </a:p>
@@ -2649,7 +2649,7 @@
           <a:p>
             <a:fld id="{6D8BD130-4B8C-45D6-91C0-38C0D5F609A2}" type="datetimeFigureOut">
               <a:rPr lang="de-DE" smtClean="0"/>
-              <a:t>11.12.2017</a:t>
+              <a:t>12.12.2017</a:t>
             </a:fld>
             <a:endParaRPr lang="de-DE"/>
           </a:p>
@@ -2946,7 +2946,7 @@
           <a:p>
             <a:fld id="{6D8BD130-4B8C-45D6-91C0-38C0D5F609A2}" type="datetimeFigureOut">
               <a:rPr lang="de-DE" smtClean="0"/>
-              <a:t>11.12.2017</a:t>
+              <a:t>12.12.2017</a:t>
             </a:fld>
             <a:endParaRPr lang="de-DE"/>
           </a:p>
@@ -3479,7 +3479,14 @@
           <a:p>
             <a:r>
               <a:rPr lang="de-DE" dirty="0"/>
-              <a:t>Präsentation zur Zielsetzung und Planung der Software</a:t>
+              <a:t>Präsentation zur Zielsetzung und den Anforderungen </a:t>
+            </a:r>
+            <a:br>
+              <a:rPr lang="de-DE" dirty="0"/>
+            </a:br>
+            <a:r>
+              <a:rPr lang="de-DE" dirty="0"/>
+              <a:t>der Software</a:t>
             </a:r>
           </a:p>
         </p:txBody>
@@ -3547,7 +3554,7 @@
                 <a:latin typeface="Times New Roman" panose="02020603050405020304" pitchFamily="18" charset="0"/>
                 <a:cs typeface="Times New Roman" panose="02020603050405020304" pitchFamily="18" charset="0"/>
               </a:rPr>
-              <a:t>/LFXX10/ </a:t>
+              <a:t>/LF3210/ </a:t>
             </a:r>
             <a:r>
               <a:rPr lang="de-DE" sz="1800" dirty="0">
@@ -3574,7 +3581,7 @@
                 <a:latin typeface="Times New Roman" panose="02020603050405020304" pitchFamily="18" charset="0"/>
                 <a:cs typeface="Times New Roman" panose="02020603050405020304" pitchFamily="18" charset="0"/>
               </a:rPr>
-              <a:t>/LFXX20/ </a:t>
+              <a:t>/LF3220/ </a:t>
             </a:r>
             <a:r>
               <a:rPr lang="de-DE" sz="1800" dirty="0">
@@ -3601,7 +3608,7 @@
                 <a:latin typeface="Times New Roman" panose="02020603050405020304" pitchFamily="18" charset="0"/>
                 <a:cs typeface="Times New Roman" panose="02020603050405020304" pitchFamily="18" charset="0"/>
               </a:rPr>
-              <a:t>/LFXXXX/ </a:t>
+              <a:t>/LF3230/ </a:t>
             </a:r>
             <a:r>
               <a:rPr lang="de-DE" sz="1800" dirty="0">
@@ -3628,7 +3635,7 @@
                 <a:latin typeface="Times New Roman" panose="02020603050405020304" pitchFamily="18" charset="0"/>
                 <a:cs typeface="Times New Roman" panose="02020603050405020304" pitchFamily="18" charset="0"/>
               </a:rPr>
-              <a:t>/LFXXXX/ </a:t>
+              <a:t>/LF3240/ </a:t>
             </a:r>
             <a:r>
               <a:rPr lang="de-DE" sz="1800" dirty="0">
@@ -3655,7 +3662,7 @@
                 <a:latin typeface="Times New Roman" panose="02020603050405020304" pitchFamily="18" charset="0"/>
                 <a:cs typeface="Times New Roman" panose="02020603050405020304" pitchFamily="18" charset="0"/>
               </a:rPr>
-              <a:t>/LFXXXX/ </a:t>
+              <a:t>/LF3250/ </a:t>
             </a:r>
             <a:r>
               <a:rPr lang="de-DE" sz="1800" dirty="0">
@@ -3682,7 +3689,7 @@
                 <a:latin typeface="Times New Roman" panose="02020603050405020304" pitchFamily="18" charset="0"/>
                 <a:cs typeface="Times New Roman" panose="02020603050405020304" pitchFamily="18" charset="0"/>
               </a:rPr>
-              <a:t>/LF0140/ </a:t>
+              <a:t>/LF3260/ </a:t>
             </a:r>
             <a:r>
               <a:rPr lang="de-DE" sz="1800" dirty="0">
@@ -3742,7 +3749,7 @@
             </a:br>
             <a:r>
               <a:rPr lang="de-DE" sz="2200" dirty="0"/>
-              <a:t>Fragencharakteristik</a:t>
+              <a:t>4. Fragencharakteristik</a:t>
             </a:r>
           </a:p>
         </p:txBody>
@@ -3873,8 +3880,8 @@
         </p:nvSpPr>
         <p:spPr>
           <a:xfrm>
-            <a:off x="252919" y="773317"/>
-            <a:ext cx="2947482" cy="1030316"/>
+            <a:off x="252919" y="773316"/>
+            <a:ext cx="2947482" cy="1223263"/>
           </a:xfrm>
           <a:prstGeom prst="rect">
             <a:avLst/>
@@ -3907,6 +3914,13 @@
             <a:r>
               <a:rPr lang="de-DE" sz="3200" dirty="0"/>
               <a:t>1.3 Quiz</a:t>
+            </a:r>
+            <a:br>
+              <a:rPr lang="de-DE" sz="3200" dirty="0"/>
+            </a:br>
+            <a:r>
+              <a:rPr lang="de-DE" sz="2200" dirty="0"/>
+              <a:t>5. Konzepte</a:t>
             </a:r>
             <a:br>
               <a:rPr lang="de-DE" dirty="0"/>
@@ -3978,7 +3992,7 @@
                 <a:latin typeface="Times New Roman" panose="02020603050405020304" pitchFamily="18" charset="0"/>
                 <a:cs typeface="Times New Roman" panose="02020603050405020304" pitchFamily="18" charset="0"/>
               </a:rPr>
-              <a:t>/LF0150/ </a:t>
+              <a:t>/LF0310/ </a:t>
             </a:r>
             <a:r>
               <a:rPr lang="de-DE" sz="1800" dirty="0">
@@ -4155,77 +4169,21 @@
                 <a:latin typeface="Times New Roman" panose="02020603050405020304" pitchFamily="18" charset="0"/>
                 <a:cs typeface="Times New Roman" panose="02020603050405020304" pitchFamily="18" charset="0"/>
               </a:rPr>
-              <a:t>/LF0130/ </a:t>
+              <a:t>/LF0410/ </a:t>
             </a:r>
             <a:r>
               <a:rPr lang="de-DE" sz="1800" dirty="0">
                 <a:latin typeface="Times New Roman" panose="02020603050405020304" pitchFamily="18" charset="0"/>
                 <a:cs typeface="Times New Roman" panose="02020603050405020304" pitchFamily="18" charset="0"/>
               </a:rPr>
-              <a:t>Speicherung von Fragen und Daten </a:t>
+              <a:t>Aufruf des Dashboards </a:t>
             </a:r>
             <a:r>
               <a:rPr lang="de-DE" sz="1800" i="1" dirty="0">
                 <a:latin typeface="Times New Roman" panose="02020603050405020304" pitchFamily="18" charset="0"/>
                 <a:cs typeface="Times New Roman" panose="02020603050405020304" pitchFamily="18" charset="0"/>
               </a:rPr>
-              <a:t>- </a:t>
-            </a:r>
-            <a:br>
-              <a:rPr lang="de-DE" sz="1800" i="1" dirty="0">
-                <a:latin typeface="Times New Roman" panose="02020603050405020304" pitchFamily="18" charset="0"/>
-                <a:cs typeface="Times New Roman" panose="02020603050405020304" pitchFamily="18" charset="0"/>
-              </a:rPr>
-            </a:br>
-            <a:r>
-              <a:rPr lang="de-DE" sz="1800" i="1" dirty="0">
-                <a:latin typeface="Times New Roman" panose="02020603050405020304" pitchFamily="18" charset="0"/>
-                <a:cs typeface="Times New Roman" panose="02020603050405020304" pitchFamily="18" charset="0"/>
-              </a:rPr>
-              <a:t>Eine interne Datenbank verfügt über folgende Daten:</a:t>
-            </a:r>
-          </a:p>
-          <a:p>
-            <a:pPr lvl="1"/>
-            <a:r>
-              <a:rPr lang="de-DE" i="1" dirty="0">
-                <a:latin typeface="Times New Roman" panose="02020603050405020304" pitchFamily="18" charset="0"/>
-                <a:cs typeface="Times New Roman" panose="02020603050405020304" pitchFamily="18" charset="0"/>
-              </a:rPr>
-              <a:t> Spielerbezogene Daten</a:t>
-            </a:r>
-          </a:p>
-          <a:p>
-            <a:pPr lvl="1"/>
-            <a:r>
-              <a:rPr lang="de-DE" i="1" dirty="0">
-                <a:latin typeface="Times New Roman" panose="02020603050405020304" pitchFamily="18" charset="0"/>
-                <a:cs typeface="Times New Roman" panose="02020603050405020304" pitchFamily="18" charset="0"/>
-              </a:rPr>
-              <a:t>fragenbezogene Daten</a:t>
-            </a:r>
-          </a:p>
-          <a:p>
-            <a:r>
-              <a:rPr lang="de-DE" sz="1800" b="1" dirty="0">
-                <a:latin typeface="Times New Roman" panose="02020603050405020304" pitchFamily="18" charset="0"/>
-                <a:cs typeface="Times New Roman" panose="02020603050405020304" pitchFamily="18" charset="0"/>
-              </a:rPr>
-              <a:t>/LF0160/ </a:t>
-            </a:r>
-            <a:r>
-              <a:rPr lang="de-DE" sz="1800" dirty="0">
-                <a:latin typeface="Times New Roman" panose="02020603050405020304" pitchFamily="18" charset="0"/>
-                <a:cs typeface="Times New Roman" panose="02020603050405020304" pitchFamily="18" charset="0"/>
-              </a:rPr>
-              <a:t>Badges </a:t>
-            </a:r>
-            <a:r>
-              <a:rPr lang="de-DE" sz="1800" i="1" dirty="0">
-                <a:latin typeface="Times New Roman" panose="02020603050405020304" pitchFamily="18" charset="0"/>
-                <a:cs typeface="Times New Roman" panose="02020603050405020304" pitchFamily="18" charset="0"/>
-              </a:rPr>
-              <a:t>– Ausschüttung für bestimmte Errungenschaften, durch Administrator verwaltet, können im Profil ausgestellt werden</a:t>
+              <a:t>– User kann sein persönliches Dashboard aufrufen</a:t>
             </a:r>
             <a:endParaRPr lang="de-DE" sz="1800" dirty="0">
               <a:latin typeface="Times New Roman" panose="02020603050405020304" pitchFamily="18" charset="0"/>
@@ -4238,28 +4196,48 @@
                 <a:latin typeface="Times New Roman" panose="02020603050405020304" pitchFamily="18" charset="0"/>
                 <a:cs typeface="Times New Roman" panose="02020603050405020304" pitchFamily="18" charset="0"/>
               </a:rPr>
-              <a:t>/LF0170/ </a:t>
-            </a:r>
-            <a:r>
-              <a:rPr lang="de-DE" sz="1800" dirty="0" err="1">
-                <a:latin typeface="Times New Roman" panose="02020603050405020304" pitchFamily="18" charset="0"/>
-                <a:cs typeface="Times New Roman" panose="02020603050405020304" pitchFamily="18" charset="0"/>
-              </a:rPr>
-              <a:t>Leaderboard</a:t>
+              <a:t>/LF0420/ </a:t>
             </a:r>
             <a:r>
               <a:rPr lang="de-DE" sz="1800" dirty="0">
                 <a:latin typeface="Times New Roman" panose="02020603050405020304" pitchFamily="18" charset="0"/>
                 <a:cs typeface="Times New Roman" panose="02020603050405020304" pitchFamily="18" charset="0"/>
               </a:rPr>
-              <a:t> </a:t>
+              <a:t>Anzeige des Dashboards </a:t>
             </a:r>
             <a:r>
               <a:rPr lang="de-DE" sz="1800" i="1" dirty="0">
                 <a:latin typeface="Times New Roman" panose="02020603050405020304" pitchFamily="18" charset="0"/>
                 <a:cs typeface="Times New Roman" panose="02020603050405020304" pitchFamily="18" charset="0"/>
               </a:rPr>
-              <a:t>– Übersicht über Punktestände am Ende der Runde, anonymisierte Platzierungen</a:t>
+              <a:t>– Übersicht über verschiedene Daten und Statistiken des Users</a:t>
+            </a:r>
+            <a:endParaRPr lang="de-DE" sz="1800" dirty="0">
+              <a:latin typeface="Times New Roman" panose="02020603050405020304" pitchFamily="18" charset="0"/>
+              <a:cs typeface="Times New Roman" panose="02020603050405020304" pitchFamily="18" charset="0"/>
+            </a:endParaRPr>
+          </a:p>
+          <a:p>
+            <a:r>
+              <a:rPr lang="de-DE" sz="1800" b="1" dirty="0">
+                <a:latin typeface="Times New Roman" panose="02020603050405020304" pitchFamily="18" charset="0"/>
+                <a:cs typeface="Times New Roman" panose="02020603050405020304" pitchFamily="18" charset="0"/>
+              </a:rPr>
+              <a:t>/LF0430/ </a:t>
+            </a:r>
+            <a:r>
+              <a:rPr lang="de-DE" sz="1800" dirty="0">
+                <a:latin typeface="Times New Roman" panose="02020603050405020304" pitchFamily="18" charset="0"/>
+                <a:cs typeface="Times New Roman" panose="02020603050405020304" pitchFamily="18" charset="0"/>
+              </a:rPr>
+              <a:t>Archiv gespielter Quizrunden </a:t>
+            </a:r>
+            <a:r>
+              <a:rPr lang="de-DE" sz="1800" i="1" dirty="0">
+                <a:latin typeface="Times New Roman" panose="02020603050405020304" pitchFamily="18" charset="0"/>
+                <a:cs typeface="Times New Roman" panose="02020603050405020304" pitchFamily="18" charset="0"/>
+              </a:rPr>
+              <a:t>–Anzeige von schon gespielten Runden mitsamt deren Statistiken </a:t>
             </a:r>
             <a:endParaRPr lang="de-DE" sz="1800" dirty="0">
               <a:latin typeface="Times New Roman" panose="02020603050405020304" pitchFamily="18" charset="0"/>
@@ -4298,22 +4276,19 @@
           <a:p>
             <a:r>
               <a:rPr lang="de-DE" sz="3200" dirty="0"/>
-              <a:t>1.5 Speicherung</a:t>
+              <a:t>1.5 Dashboard</a:t>
             </a:r>
             <a:br>
               <a:rPr lang="de-DE" dirty="0"/>
             </a:br>
-            <a:r>
-              <a:rPr lang="de-DE" sz="2200" dirty="0"/>
-              <a:t>der Daten</a:t>
-            </a:r>
+            <a:endParaRPr lang="de-DE" sz="2200" dirty="0"/>
           </a:p>
         </p:txBody>
       </p:sp>
     </p:spTree>
     <p:extLst>
       <p:ext uri="{BB962C8B-B14F-4D97-AF65-F5344CB8AC3E}">
-        <p14:creationId xmlns:p14="http://schemas.microsoft.com/office/powerpoint/2010/main" val="249006237"/>
+        <p14:creationId xmlns:p14="http://schemas.microsoft.com/office/powerpoint/2010/main" val="4002333157"/>
       </p:ext>
     </p:extLst>
   </p:cSld>
@@ -4373,21 +4348,77 @@
                 <a:latin typeface="Times New Roman" panose="02020603050405020304" pitchFamily="18" charset="0"/>
                 <a:cs typeface="Times New Roman" panose="02020603050405020304" pitchFamily="18" charset="0"/>
               </a:rPr>
-              <a:t>/LFXX10/ </a:t>
+              <a:t>/LF0510/ </a:t>
             </a:r>
             <a:r>
               <a:rPr lang="de-DE" sz="1800" dirty="0">
                 <a:latin typeface="Times New Roman" panose="02020603050405020304" pitchFamily="18" charset="0"/>
                 <a:cs typeface="Times New Roman" panose="02020603050405020304" pitchFamily="18" charset="0"/>
               </a:rPr>
-              <a:t>Aufruf des Dashboards </a:t>
+              <a:t>Speicherung von Fragen und Daten </a:t>
             </a:r>
             <a:r>
               <a:rPr lang="de-DE" sz="1800" i="1" dirty="0">
                 <a:latin typeface="Times New Roman" panose="02020603050405020304" pitchFamily="18" charset="0"/>
                 <a:cs typeface="Times New Roman" panose="02020603050405020304" pitchFamily="18" charset="0"/>
               </a:rPr>
-              <a:t>– User kann sein persönliches Dashboard aufrufen</a:t>
+              <a:t>- </a:t>
+            </a:r>
+            <a:br>
+              <a:rPr lang="de-DE" sz="1800" i="1" dirty="0">
+                <a:latin typeface="Times New Roman" panose="02020603050405020304" pitchFamily="18" charset="0"/>
+                <a:cs typeface="Times New Roman" panose="02020603050405020304" pitchFamily="18" charset="0"/>
+              </a:rPr>
+            </a:br>
+            <a:r>
+              <a:rPr lang="de-DE" sz="1800" i="1" dirty="0">
+                <a:latin typeface="Times New Roman" panose="02020603050405020304" pitchFamily="18" charset="0"/>
+                <a:cs typeface="Times New Roman" panose="02020603050405020304" pitchFamily="18" charset="0"/>
+              </a:rPr>
+              <a:t>Eine interne Datenbank verfügt über folgende Daten:</a:t>
+            </a:r>
+          </a:p>
+          <a:p>
+            <a:pPr lvl="1"/>
+            <a:r>
+              <a:rPr lang="de-DE" i="1" dirty="0">
+                <a:latin typeface="Times New Roman" panose="02020603050405020304" pitchFamily="18" charset="0"/>
+                <a:cs typeface="Times New Roman" panose="02020603050405020304" pitchFamily="18" charset="0"/>
+              </a:rPr>
+              <a:t> Spielerbezogene Daten</a:t>
+            </a:r>
+          </a:p>
+          <a:p>
+            <a:pPr lvl="1"/>
+            <a:r>
+              <a:rPr lang="de-DE" i="1" dirty="0">
+                <a:latin typeface="Times New Roman" panose="02020603050405020304" pitchFamily="18" charset="0"/>
+                <a:cs typeface="Times New Roman" panose="02020603050405020304" pitchFamily="18" charset="0"/>
+              </a:rPr>
+              <a:t>fragenbezogene Daten</a:t>
+            </a:r>
+          </a:p>
+          <a:p>
+            <a:r>
+              <a:rPr lang="de-DE" sz="1800" b="1" dirty="0">
+                <a:latin typeface="Times New Roman" panose="02020603050405020304" pitchFamily="18" charset="0"/>
+                <a:cs typeface="Times New Roman" panose="02020603050405020304" pitchFamily="18" charset="0"/>
+              </a:rPr>
+              <a:t>/LF0520/ </a:t>
+            </a:r>
+            <a:r>
+              <a:rPr lang="de-DE" sz="1800" dirty="0">
+                <a:latin typeface="Times New Roman" panose="02020603050405020304" pitchFamily="18" charset="0"/>
+                <a:cs typeface="Times New Roman" panose="02020603050405020304" pitchFamily="18" charset="0"/>
+              </a:rPr>
+              <a:t>Badges </a:t>
+            </a:r>
+            <a:r>
+              <a:rPr lang="de-DE" sz="1800" i="1" dirty="0">
+                <a:latin typeface="Times New Roman" panose="02020603050405020304" pitchFamily="18" charset="0"/>
+                <a:cs typeface="Times New Roman" panose="02020603050405020304" pitchFamily="18" charset="0"/>
+              </a:rPr>
+              <a:t>– Ausschüttung für bestimmte Errungenschaften, durch Administrator verwaltet, können im Profil ausgestellt werden</a:t>
             </a:r>
             <a:endParaRPr lang="de-DE" sz="1800" dirty="0">
               <a:latin typeface="Times New Roman" panose="02020603050405020304" pitchFamily="18" charset="0"/>
@@ -4400,48 +4431,28 @@
                 <a:latin typeface="Times New Roman" panose="02020603050405020304" pitchFamily="18" charset="0"/>
                 <a:cs typeface="Times New Roman" panose="02020603050405020304" pitchFamily="18" charset="0"/>
               </a:rPr>
-              <a:t>/LFXX10/ </a:t>
+              <a:t>/LF0530/ </a:t>
+            </a:r>
+            <a:r>
+              <a:rPr lang="de-DE" sz="1800" dirty="0" err="1">
+                <a:latin typeface="Times New Roman" panose="02020603050405020304" pitchFamily="18" charset="0"/>
+                <a:cs typeface="Times New Roman" panose="02020603050405020304" pitchFamily="18" charset="0"/>
+              </a:rPr>
+              <a:t>Leaderboard</a:t>
             </a:r>
             <a:r>
               <a:rPr lang="de-DE" sz="1800" dirty="0">
                 <a:latin typeface="Times New Roman" panose="02020603050405020304" pitchFamily="18" charset="0"/>
                 <a:cs typeface="Times New Roman" panose="02020603050405020304" pitchFamily="18" charset="0"/>
               </a:rPr>
-              <a:t>Anzeige des Dashboards </a:t>
+              <a:t> </a:t>
             </a:r>
             <a:r>
               <a:rPr lang="de-DE" sz="1800" i="1" dirty="0">
                 <a:latin typeface="Times New Roman" panose="02020603050405020304" pitchFamily="18" charset="0"/>
                 <a:cs typeface="Times New Roman" panose="02020603050405020304" pitchFamily="18" charset="0"/>
               </a:rPr>
-              <a:t>– Übersicht über verschiedene Daten und Statistiken des Users</a:t>
-            </a:r>
-            <a:endParaRPr lang="de-DE" sz="1800" dirty="0">
-              <a:latin typeface="Times New Roman" panose="02020603050405020304" pitchFamily="18" charset="0"/>
-              <a:cs typeface="Times New Roman" panose="02020603050405020304" pitchFamily="18" charset="0"/>
-            </a:endParaRPr>
-          </a:p>
-          <a:p>
-            <a:r>
-              <a:rPr lang="de-DE" sz="1800" b="1" dirty="0">
-                <a:latin typeface="Times New Roman" panose="02020603050405020304" pitchFamily="18" charset="0"/>
-                <a:cs typeface="Times New Roman" panose="02020603050405020304" pitchFamily="18" charset="0"/>
-              </a:rPr>
-              <a:t>/LFXX10/ </a:t>
-            </a:r>
-            <a:r>
-              <a:rPr lang="de-DE" sz="1800" dirty="0">
-                <a:latin typeface="Times New Roman" panose="02020603050405020304" pitchFamily="18" charset="0"/>
-                <a:cs typeface="Times New Roman" panose="02020603050405020304" pitchFamily="18" charset="0"/>
-              </a:rPr>
-              <a:t>Archiv gespielter Quizrunden </a:t>
-            </a:r>
-            <a:r>
-              <a:rPr lang="de-DE" sz="1800" i="1" dirty="0">
-                <a:latin typeface="Times New Roman" panose="02020603050405020304" pitchFamily="18" charset="0"/>
-                <a:cs typeface="Times New Roman" panose="02020603050405020304" pitchFamily="18" charset="0"/>
-              </a:rPr>
-              <a:t>–Anzeige von schon gespielten Runden mitsamt deren Statistiken </a:t>
+              <a:t>– Übersicht über Punktestände am Ende der Runde, anonymisierte Platzierungen</a:t>
             </a:r>
             <a:endParaRPr lang="de-DE" sz="1800" dirty="0">
               <a:latin typeface="Times New Roman" panose="02020603050405020304" pitchFamily="18" charset="0"/>
@@ -4480,11 +4491,8 @@
           <a:p>
             <a:r>
               <a:rPr lang="de-DE" sz="3200" dirty="0"/>
-              <a:t>1.6 Dashboard</a:t>
-            </a:r>
-            <a:br>
-              <a:rPr lang="de-DE" dirty="0"/>
-            </a:br>
+              <a:t>1.6 Sonstiges</a:t>
+            </a:r>
             <a:endParaRPr lang="de-DE" sz="2200" dirty="0"/>
           </a:p>
         </p:txBody>
@@ -4492,7 +4500,7 @@
     </p:spTree>
     <p:extLst>
       <p:ext uri="{BB962C8B-B14F-4D97-AF65-F5344CB8AC3E}">
-        <p14:creationId xmlns:p14="http://schemas.microsoft.com/office/powerpoint/2010/main" val="4002333157"/>
+        <p14:creationId xmlns:p14="http://schemas.microsoft.com/office/powerpoint/2010/main" val="249006237"/>
       </p:ext>
     </p:extLst>
   </p:cSld>
@@ -4747,7 +4755,7 @@
                 <a:latin typeface="Times New Roman" panose="02020603050405020304" pitchFamily="18" charset="0"/>
                 <a:cs typeface="Times New Roman" panose="02020603050405020304" pitchFamily="18" charset="0"/>
               </a:rPr>
-              <a:t>/LF0190/ </a:t>
+              <a:t>/LF0610/ </a:t>
             </a:r>
             <a:r>
               <a:rPr lang="de-DE" sz="1800" dirty="0">
@@ -4774,7 +4782,7 @@
                 <a:latin typeface="Times New Roman" panose="02020603050405020304" pitchFamily="18" charset="0"/>
                 <a:cs typeface="Times New Roman" panose="02020603050405020304" pitchFamily="18" charset="0"/>
               </a:rPr>
-              <a:t>/LF0200/ </a:t>
+              <a:t>/LF0620/ </a:t>
             </a:r>
             <a:r>
               <a:rPr lang="de-DE" sz="1800" dirty="0">
@@ -4815,7 +4823,7 @@
                 <a:latin typeface="Times New Roman" panose="02020603050405020304" pitchFamily="18" charset="0"/>
                 <a:cs typeface="Times New Roman" panose="02020603050405020304" pitchFamily="18" charset="0"/>
               </a:rPr>
-              <a:t>/LF0210/ </a:t>
+              <a:t>/LF0630/ </a:t>
             </a:r>
             <a:r>
               <a:rPr lang="de-DE" sz="1800" dirty="0">
@@ -4831,14 +4839,14 @@
                 <a:latin typeface="Times New Roman" panose="02020603050405020304" pitchFamily="18" charset="0"/>
                 <a:cs typeface="Times New Roman" panose="02020603050405020304" pitchFamily="18" charset="0"/>
               </a:rPr>
-              <a:t>/LF0220/ </a:t>
+              <a:t>/LF0640/ O</a:t>
             </a:r>
             <a:r>
               <a:rPr lang="de-DE" sz="1800" dirty="0">
                 <a:latin typeface="Times New Roman" panose="02020603050405020304" pitchFamily="18" charset="0"/>
                 <a:cs typeface="Times New Roman" panose="02020603050405020304" pitchFamily="18" charset="0"/>
               </a:rPr>
-              <a:t>optionale Ergebnisansicht am Ende einer Runde </a:t>
+              <a:t>ptionale Ergebnisansicht am Ende einer Runde </a:t>
             </a:r>
             <a:r>
               <a:rPr lang="de-DE" sz="1800" i="1" dirty="0">
@@ -4879,7 +4887,7 @@
                 <a:latin typeface="Times New Roman" panose="02020603050405020304" pitchFamily="18" charset="0"/>
                 <a:cs typeface="Times New Roman" panose="02020603050405020304" pitchFamily="18" charset="0"/>
               </a:rPr>
-              <a:t>/LF0230/ </a:t>
+              <a:t>/LF0650/ </a:t>
             </a:r>
             <a:r>
               <a:rPr lang="de-DE" sz="1800" dirty="0">
@@ -4895,7 +4903,7 @@
                 <a:latin typeface="Times New Roman" panose="02020603050405020304" pitchFamily="18" charset="0"/>
                 <a:cs typeface="Times New Roman" panose="02020603050405020304" pitchFamily="18" charset="0"/>
               </a:rPr>
-              <a:t>/LF0240/ </a:t>
+              <a:t>/LF0660/ </a:t>
             </a:r>
             <a:r>
               <a:rPr lang="de-DE" sz="1800" dirty="0">
@@ -4946,7 +4954,7 @@
                 <a:latin typeface="Times New Roman" panose="02020603050405020304" pitchFamily="18" charset="0"/>
                 <a:cs typeface="Times New Roman" panose="02020603050405020304" pitchFamily="18" charset="0"/>
               </a:rPr>
-              <a:t>/LFXXXX/ </a:t>
+              <a:t>/LF0670/ </a:t>
             </a:r>
             <a:r>
               <a:rPr lang="de-DE" sz="1800" dirty="0">
@@ -4962,6 +4970,35 @@
               </a:rPr>
               <a:t>spielverändernde Elemente, die während einer Quizrunde eingesetzt werden können</a:t>
             </a:r>
+          </a:p>
+          <a:p>
+            <a:r>
+              <a:rPr lang="de-DE" sz="1800" b="1" dirty="0">
+                <a:latin typeface="Times New Roman" panose="02020603050405020304" pitchFamily="18" charset="0"/>
+                <a:cs typeface="Times New Roman" panose="02020603050405020304" pitchFamily="18" charset="0"/>
+              </a:rPr>
+              <a:t>/LF0680/ </a:t>
+            </a:r>
+            <a:r>
+              <a:rPr lang="de-DE" sz="1800" dirty="0">
+                <a:latin typeface="Times New Roman" panose="02020603050405020304" pitchFamily="18" charset="0"/>
+                <a:cs typeface="Times New Roman" panose="02020603050405020304" pitchFamily="18" charset="0"/>
+              </a:rPr>
+              <a:t>Anpassung der Ansicht des Dashboards </a:t>
+            </a:r>
+            <a:r>
+              <a:rPr lang="de-DE" sz="1800" i="1" dirty="0">
+                <a:latin typeface="Times New Roman" panose="02020603050405020304" pitchFamily="18" charset="0"/>
+                <a:cs typeface="Times New Roman" panose="02020603050405020304" pitchFamily="18" charset="0"/>
+              </a:rPr>
+              <a:t>– benutzerdefinierte Anzeige von Inhalten innerhalb des Dashboards</a:t>
+            </a:r>
+            <a:endParaRPr lang="de-DE" sz="1800" dirty="0">
+              <a:latin typeface="Times New Roman" panose="02020603050405020304" pitchFamily="18" charset="0"/>
+              <a:cs typeface="Times New Roman" panose="02020603050405020304" pitchFamily="18" charset="0"/>
+            </a:endParaRPr>
+          </a:p>
+          <a:p>
             <a:endParaRPr lang="de-DE" sz="1800" b="1" dirty="0">
               <a:latin typeface="Times New Roman" panose="02020603050405020304" pitchFamily="18" charset="0"/>
               <a:cs typeface="Times New Roman" panose="02020603050405020304" pitchFamily="18" charset="0"/>
@@ -4999,7 +5036,7 @@
           <a:p>
             <a:r>
               <a:rPr lang="de-DE" sz="3200" dirty="0"/>
-              <a:t>1.1 Spielerprofil</a:t>
+              <a:t>Kann-Ziele</a:t>
             </a:r>
             <a:br>
               <a:rPr lang="de-DE" dirty="0"/>
@@ -5096,8 +5133,8 @@
         </p:nvSpPr>
         <p:spPr>
           <a:xfrm>
-            <a:off x="252919" y="773317"/>
-            <a:ext cx="2947482" cy="1030316"/>
+            <a:off x="252919" y="773316"/>
+            <a:ext cx="2947482" cy="1223263"/>
           </a:xfrm>
         </p:spPr>
         <p:txBody>
@@ -5108,7 +5145,14 @@
           <a:p>
             <a:r>
               <a:rPr lang="de-DE" sz="3200" dirty="0"/>
-              <a:t>1.1 Spielerprofil</a:t>
+              <a:t>Spielerprofil</a:t>
+            </a:r>
+            <a:br>
+              <a:rPr lang="de-DE" sz="3200" dirty="0"/>
+            </a:br>
+            <a:r>
+              <a:rPr lang="de-DE" sz="2200" dirty="0"/>
+              <a:t>Konzept</a:t>
             </a:r>
             <a:br>
               <a:rPr lang="de-DE" dirty="0"/>
@@ -5149,10 +5193,10 @@
       </p:grpSpPr>
       <p:sp>
         <p:nvSpPr>
-          <p:cNvPr id="3" name="Inhaltsplatzhalter 2">
+          <p:cNvPr id="2" name="Titel 1">
             <a:extLst>
               <a:ext uri="{FF2B5EF4-FFF2-40B4-BE49-F238E27FC236}">
-                <a16:creationId xmlns:a16="http://schemas.microsoft.com/office/drawing/2014/main" id="{3779705D-DB41-4431-95B3-4AAEE1C4A635}"/>
+                <a16:creationId xmlns:a16="http://schemas.microsoft.com/office/drawing/2014/main" id="{A60F5AAC-8EE0-4163-98FD-B00A366895C3}"/>
               </a:ext>
             </a:extLst>
           </p:cNvPr>
@@ -5160,55 +5204,27 @@
             <a:spLocks noGrp="1"/>
           </p:cNvSpPr>
           <p:nvPr>
-            <p:ph idx="1"/>
-          </p:nvPr>
-        </p:nvSpPr>
-        <p:spPr>
-          <a:xfrm>
-            <a:off x="3869268" y="0"/>
-            <a:ext cx="7315200" cy="6858000"/>
-          </a:xfrm>
-        </p:spPr>
-        <p:txBody>
-          <a:bodyPr>
-            <a:noAutofit/>
-          </a:bodyPr>
-          <a:lstStyle/>
-          <a:p>
-            <a:r>
-              <a:rPr lang="de-DE" sz="1800" b="1" dirty="0">
-                <a:latin typeface="Times New Roman" panose="02020603050405020304" pitchFamily="18" charset="0"/>
-                <a:cs typeface="Times New Roman" panose="02020603050405020304" pitchFamily="18" charset="0"/>
-              </a:rPr>
-              <a:t>/LFXX10/ </a:t>
-            </a:r>
-            <a:r>
-              <a:rPr lang="de-DE" sz="1800" dirty="0">
-                <a:latin typeface="Times New Roman" panose="02020603050405020304" pitchFamily="18" charset="0"/>
-                <a:cs typeface="Times New Roman" panose="02020603050405020304" pitchFamily="18" charset="0"/>
-              </a:rPr>
-              <a:t>Anpassung der Ansicht des Dashboards </a:t>
-            </a:r>
-            <a:r>
-              <a:rPr lang="de-DE" sz="1800" i="1" dirty="0">
-                <a:latin typeface="Times New Roman" panose="02020603050405020304" pitchFamily="18" charset="0"/>
-                <a:cs typeface="Times New Roman" panose="02020603050405020304" pitchFamily="18" charset="0"/>
-              </a:rPr>
-              <a:t>– benutzerdefinierte Anzeige von Inhalten innerhalb des Dashboards</a:t>
-            </a:r>
-            <a:endParaRPr lang="de-DE" sz="1800" dirty="0">
-              <a:latin typeface="Times New Roman" panose="02020603050405020304" pitchFamily="18" charset="0"/>
-              <a:cs typeface="Times New Roman" panose="02020603050405020304" pitchFamily="18" charset="0"/>
-            </a:endParaRPr>
-          </a:p>
-        </p:txBody>
-      </p:sp>
-      <p:sp>
-        <p:nvSpPr>
-          <p:cNvPr id="4" name="Titel 1">
+            <p:ph type="title"/>
+          </p:nvPr>
+        </p:nvSpPr>
+        <p:spPr/>
+        <p:txBody>
+          <a:bodyPr/>
+          <a:lstStyle/>
+          <a:p>
+            <a:r>
+              <a:rPr lang="de-DE" dirty="0"/>
+              <a:t>Nicht-funktionale Anforderungen</a:t>
+            </a:r>
+          </a:p>
+        </p:txBody>
+      </p:sp>
+      <p:sp>
+        <p:nvSpPr>
+          <p:cNvPr id="3" name="Textplatzhalter 2">
             <a:extLst>
               <a:ext uri="{FF2B5EF4-FFF2-40B4-BE49-F238E27FC236}">
-                <a16:creationId xmlns:a16="http://schemas.microsoft.com/office/drawing/2014/main" id="{BF9A87EE-54FB-46B7-902C-FB7760CF944A}"/>
+                <a16:creationId xmlns:a16="http://schemas.microsoft.com/office/drawing/2014/main" id="{F5917C28-160D-4DFE-B920-2E09D41C74E7}"/>
               </a:ext>
             </a:extLst>
           </p:cNvPr>
@@ -5216,36 +5232,25 @@
             <a:spLocks noGrp="1"/>
           </p:cNvSpPr>
           <p:nvPr>
-            <p:ph type="title"/>
-          </p:nvPr>
-        </p:nvSpPr>
-        <p:spPr>
-          <a:xfrm>
-            <a:off x="252919" y="773317"/>
-            <a:ext cx="2947482" cy="1030316"/>
-          </a:xfrm>
-        </p:spPr>
-        <p:txBody>
-          <a:bodyPr>
-            <a:normAutofit/>
-          </a:bodyPr>
-          <a:lstStyle/>
-          <a:p>
-            <a:r>
-              <a:rPr lang="de-DE" sz="3200" dirty="0"/>
-              <a:t>1.2 Dashboard</a:t>
-            </a:r>
-            <a:br>
+            <p:ph type="body" idx="1"/>
+          </p:nvPr>
+        </p:nvSpPr>
+        <p:spPr/>
+        <p:txBody>
+          <a:bodyPr/>
+          <a:lstStyle/>
+          <a:p>
+            <a:r>
               <a:rPr lang="de-DE" dirty="0"/>
-            </a:br>
-            <a:endParaRPr lang="de-DE" sz="2200" dirty="0"/>
+              <a:t>1. Muss-Ziele</a:t>
+            </a:r>
           </a:p>
         </p:txBody>
       </p:sp>
     </p:spTree>
     <p:extLst>
       <p:ext uri="{BB962C8B-B14F-4D97-AF65-F5344CB8AC3E}">
-        <p14:creationId xmlns:p14="http://schemas.microsoft.com/office/powerpoint/2010/main" val="2606615289"/>
+        <p14:creationId xmlns:p14="http://schemas.microsoft.com/office/powerpoint/2010/main" val="3834069032"/>
       </p:ext>
     </p:extLst>
   </p:cSld>
@@ -5290,12 +5295,47 @@
         </p:nvSpPr>
         <p:spPr/>
         <p:txBody>
-          <a:bodyPr/>
-          <a:lstStyle/>
-          <a:p>
-            <a:r>
-              <a:rPr lang="de-DE" dirty="0"/>
-              <a:t>Platzhalter</a:t>
+          <a:bodyPr>
+            <a:noAutofit/>
+          </a:bodyPr>
+          <a:lstStyle/>
+          <a:p>
+            <a:pPr marL="0" indent="0">
+              <a:buNone/>
+            </a:pPr>
+            <a:r>
+              <a:rPr lang="de-DE" sz="1900" i="1" dirty="0">
+                <a:latin typeface="Times New Roman" panose="02020603050405020304" pitchFamily="18" charset="0"/>
+                <a:cs typeface="Times New Roman" panose="02020603050405020304" pitchFamily="18" charset="0"/>
+              </a:rPr>
+              <a:t>Wissen ist Macht. Sich neues Wissen anzueignen ist unumgänglich. Um diese Aufgabe ansprechender zu machen, kommen u.a. Wissensspiele zum Einsatz. Ansätze wie die beliebte App Quizduell oder Fernsehshows wie „Wer wird Millionär“ erfreuen sich großer Beliebtheit.</a:t>
+            </a:r>
+            <a:br>
+              <a:rPr lang="de-DE" sz="1900" i="1" dirty="0">
+                <a:latin typeface="Times New Roman" panose="02020603050405020304" pitchFamily="18" charset="0"/>
+                <a:cs typeface="Times New Roman" panose="02020603050405020304" pitchFamily="18" charset="0"/>
+              </a:rPr>
+            </a:br>
+            <a:r>
+              <a:rPr lang="de-DE" sz="1900" i="1" dirty="0">
+                <a:latin typeface="Times New Roman" panose="02020603050405020304" pitchFamily="18" charset="0"/>
+                <a:cs typeface="Times New Roman" panose="02020603050405020304" pitchFamily="18" charset="0"/>
+              </a:rPr>
+              <a:t>Das erhebliche Potenzial von Wissensspielen hat sich diesbezüglich bereits erwiesen. Angeknüpft an diese Forschungsergebnisse soll im Rahmen dieses Projektes ein </a:t>
+            </a:r>
+            <a:r>
+              <a:rPr lang="de-DE" sz="1900" i="1" dirty="0" err="1">
+                <a:latin typeface="Times New Roman" panose="02020603050405020304" pitchFamily="18" charset="0"/>
+                <a:cs typeface="Times New Roman" panose="02020603050405020304" pitchFamily="18" charset="0"/>
+              </a:rPr>
+              <a:t>gamifiziertes</a:t>
+            </a:r>
+            <a:r>
+              <a:rPr lang="de-DE" sz="1900" i="1" dirty="0">
+                <a:latin typeface="Times New Roman" panose="02020603050405020304" pitchFamily="18" charset="0"/>
+                <a:cs typeface="Times New Roman" panose="02020603050405020304" pitchFamily="18" charset="0"/>
+              </a:rPr>
+              <a:t> Wissensquiz zur Verwendung innerhalb von Unternehmen entstehen.</a:t>
             </a:r>
           </a:p>
         </p:txBody>
@@ -5386,10 +5426,10 @@
       </p:grpSpPr>
       <p:sp>
         <p:nvSpPr>
-          <p:cNvPr id="2" name="Titel 1">
+          <p:cNvPr id="3" name="Inhaltsplatzhalter 2">
             <a:extLst>
               <a:ext uri="{FF2B5EF4-FFF2-40B4-BE49-F238E27FC236}">
-                <a16:creationId xmlns:a16="http://schemas.microsoft.com/office/drawing/2014/main" id="{A60F5AAC-8EE0-4163-98FD-B00A366895C3}"/>
+                <a16:creationId xmlns:a16="http://schemas.microsoft.com/office/drawing/2014/main" id="{3779705D-DB41-4431-95B3-4AAEE1C4A635}"/>
               </a:ext>
             </a:extLst>
           </p:cNvPr>
@@ -5397,7 +5437,7 @@
             <a:spLocks noGrp="1"/>
           </p:cNvSpPr>
           <p:nvPr>
-            <p:ph type="title"/>
+            <p:ph idx="1"/>
           </p:nvPr>
         </p:nvSpPr>
         <p:spPr/>
@@ -5406,18 +5446,134 @@
           <a:lstStyle/>
           <a:p>
             <a:r>
-              <a:rPr lang="de-DE" dirty="0"/>
-              <a:t>Nicht-funktionale Anforderungen</a:t>
-            </a:r>
-          </a:p>
-        </p:txBody>
-      </p:sp>
-      <p:sp>
-        <p:nvSpPr>
-          <p:cNvPr id="3" name="Textplatzhalter 2">
+              <a:rPr lang="de-DE" b="1" dirty="0">
+                <a:latin typeface="Times New Roman" panose="02020603050405020304" pitchFamily="18" charset="0"/>
+                <a:cs typeface="Times New Roman" panose="02020603050405020304" pitchFamily="18" charset="0"/>
+              </a:rPr>
+              <a:t>/LL0010/ </a:t>
+            </a:r>
+            <a:r>
+              <a:rPr lang="de-DE" dirty="0">
+                <a:latin typeface="Times New Roman" panose="02020603050405020304" pitchFamily="18" charset="0"/>
+                <a:cs typeface="Times New Roman" panose="02020603050405020304" pitchFamily="18" charset="0"/>
+              </a:rPr>
+              <a:t>Profildetails </a:t>
+            </a:r>
+            <a:r>
+              <a:rPr lang="de-DE" i="1" dirty="0">
+                <a:latin typeface="Times New Roman" panose="02020603050405020304" pitchFamily="18" charset="0"/>
+                <a:cs typeface="Times New Roman" panose="02020603050405020304" pitchFamily="18" charset="0"/>
+              </a:rPr>
+              <a:t>– Minimal Nutzername schon ausreichend für das Spielen </a:t>
+            </a:r>
+            <a:endParaRPr lang="de-DE" dirty="0">
+              <a:latin typeface="Times New Roman" panose="02020603050405020304" pitchFamily="18" charset="0"/>
+              <a:cs typeface="Times New Roman" panose="02020603050405020304" pitchFamily="18" charset="0"/>
+            </a:endParaRPr>
+          </a:p>
+          <a:p>
+            <a:r>
+              <a:rPr lang="de-DE" b="1" dirty="0">
+                <a:latin typeface="Times New Roman" panose="02020603050405020304" pitchFamily="18" charset="0"/>
+                <a:cs typeface="Times New Roman" panose="02020603050405020304" pitchFamily="18" charset="0"/>
+              </a:rPr>
+              <a:t>/LL0020/ </a:t>
+            </a:r>
+            <a:r>
+              <a:rPr lang="de-DE" dirty="0">
+                <a:latin typeface="Times New Roman" panose="02020603050405020304" pitchFamily="18" charset="0"/>
+                <a:cs typeface="Times New Roman" panose="02020603050405020304" pitchFamily="18" charset="0"/>
+              </a:rPr>
+              <a:t>Bearbeitung des Profils </a:t>
+            </a:r>
+            <a:r>
+              <a:rPr lang="de-DE" i="1" dirty="0">
+                <a:latin typeface="Times New Roman" panose="02020603050405020304" pitchFamily="18" charset="0"/>
+                <a:cs typeface="Times New Roman" panose="02020603050405020304" pitchFamily="18" charset="0"/>
+              </a:rPr>
+              <a:t>– Nutzer kann Profil stets editieren, Kontrolle von veröffentlichten Daten</a:t>
+            </a:r>
+            <a:endParaRPr lang="de-DE" dirty="0">
+              <a:latin typeface="Times New Roman" panose="02020603050405020304" pitchFamily="18" charset="0"/>
+              <a:cs typeface="Times New Roman" panose="02020603050405020304" pitchFamily="18" charset="0"/>
+            </a:endParaRPr>
+          </a:p>
+          <a:p>
+            <a:r>
+              <a:rPr lang="de-DE" b="1" dirty="0">
+                <a:latin typeface="Times New Roman" panose="02020603050405020304" pitchFamily="18" charset="0"/>
+                <a:cs typeface="Times New Roman" panose="02020603050405020304" pitchFamily="18" charset="0"/>
+              </a:rPr>
+              <a:t>/LL0030/ </a:t>
+            </a:r>
+            <a:r>
+              <a:rPr lang="de-DE" dirty="0">
+                <a:latin typeface="Times New Roman" panose="02020603050405020304" pitchFamily="18" charset="0"/>
+                <a:cs typeface="Times New Roman" panose="02020603050405020304" pitchFamily="18" charset="0"/>
+              </a:rPr>
+              <a:t>Löschung des Profils </a:t>
+            </a:r>
+            <a:r>
+              <a:rPr lang="de-DE" i="1" dirty="0">
+                <a:latin typeface="Times New Roman" panose="02020603050405020304" pitchFamily="18" charset="0"/>
+                <a:cs typeface="Times New Roman" panose="02020603050405020304" pitchFamily="18" charset="0"/>
+              </a:rPr>
+              <a:t>– Soll jederzeit möglich sein</a:t>
+            </a:r>
+            <a:endParaRPr lang="de-DE" dirty="0">
+              <a:latin typeface="Times New Roman" panose="02020603050405020304" pitchFamily="18" charset="0"/>
+              <a:cs typeface="Times New Roman" panose="02020603050405020304" pitchFamily="18" charset="0"/>
+            </a:endParaRPr>
+          </a:p>
+          <a:p>
+            <a:r>
+              <a:rPr lang="de-DE" b="1" dirty="0">
+                <a:latin typeface="Times New Roman" panose="02020603050405020304" pitchFamily="18" charset="0"/>
+                <a:cs typeface="Times New Roman" panose="02020603050405020304" pitchFamily="18" charset="0"/>
+              </a:rPr>
+              <a:t>/LL0040/ </a:t>
+            </a:r>
+            <a:r>
+              <a:rPr lang="de-DE" dirty="0">
+                <a:latin typeface="Times New Roman" panose="02020603050405020304" pitchFamily="18" charset="0"/>
+                <a:cs typeface="Times New Roman" panose="02020603050405020304" pitchFamily="18" charset="0"/>
+              </a:rPr>
+              <a:t>Sicherheit der </a:t>
+            </a:r>
+            <a:r>
+              <a:rPr lang="de-DE" dirty="0" err="1">
+                <a:latin typeface="Times New Roman" panose="02020603050405020304" pitchFamily="18" charset="0"/>
+                <a:cs typeface="Times New Roman" panose="02020603050405020304" pitchFamily="18" charset="0"/>
+              </a:rPr>
+              <a:t>Accountdaten</a:t>
+            </a:r>
+            <a:r>
+              <a:rPr lang="de-DE" dirty="0">
+                <a:latin typeface="Times New Roman" panose="02020603050405020304" pitchFamily="18" charset="0"/>
+                <a:cs typeface="Times New Roman" panose="02020603050405020304" pitchFamily="18" charset="0"/>
+              </a:rPr>
+              <a:t> </a:t>
+            </a:r>
+            <a:r>
+              <a:rPr lang="de-DE" i="1" dirty="0">
+                <a:latin typeface="Times New Roman" panose="02020603050405020304" pitchFamily="18" charset="0"/>
+                <a:cs typeface="Times New Roman" panose="02020603050405020304" pitchFamily="18" charset="0"/>
+              </a:rPr>
+              <a:t>– Zugangsdaten müssen geschützt werden</a:t>
+            </a:r>
+            <a:endParaRPr lang="de-DE" dirty="0">
+              <a:latin typeface="Times New Roman" panose="02020603050405020304" pitchFamily="18" charset="0"/>
+              <a:cs typeface="Times New Roman" panose="02020603050405020304" pitchFamily="18" charset="0"/>
+            </a:endParaRPr>
+          </a:p>
+        </p:txBody>
+      </p:sp>
+      <p:sp>
+        <p:nvSpPr>
+          <p:cNvPr id="4" name="Titel 1">
             <a:extLst>
               <a:ext uri="{FF2B5EF4-FFF2-40B4-BE49-F238E27FC236}">
-                <a16:creationId xmlns:a16="http://schemas.microsoft.com/office/drawing/2014/main" id="{F5917C28-160D-4DFE-B920-2E09D41C74E7}"/>
+                <a16:creationId xmlns:a16="http://schemas.microsoft.com/office/drawing/2014/main" id="{170FE519-E518-4F96-87D6-C028EA4AA3BD}"/>
               </a:ext>
             </a:extLst>
           </p:cNvPr>
@@ -5425,17 +5581,24 @@
             <a:spLocks noGrp="1"/>
           </p:cNvSpPr>
           <p:nvPr>
-            <p:ph type="body" idx="1"/>
-          </p:nvPr>
-        </p:nvSpPr>
-        <p:spPr/>
-        <p:txBody>
-          <a:bodyPr/>
+            <p:ph type="title"/>
+          </p:nvPr>
+        </p:nvSpPr>
+        <p:spPr>
+          <a:xfrm>
+            <a:off x="252919" y="773317"/>
+            <a:ext cx="2947482" cy="1038705"/>
+          </a:xfrm>
+        </p:spPr>
+        <p:txBody>
+          <a:bodyPr>
+            <a:normAutofit fontScale="90000"/>
+          </a:bodyPr>
           <a:lstStyle/>
           <a:p>
             <a:r>
               <a:rPr lang="de-DE" dirty="0"/>
-              <a:t>1. Muss-Ziele</a:t>
+              <a:t>1.Datenschutz und Anonymität</a:t>
             </a:r>
           </a:p>
         </p:txBody>
@@ -5443,7 +5606,7 @@
     </p:spTree>
     <p:extLst>
       <p:ext uri="{BB962C8B-B14F-4D97-AF65-F5344CB8AC3E}">
-        <p14:creationId xmlns:p14="http://schemas.microsoft.com/office/powerpoint/2010/main" val="3834069032"/>
+        <p14:creationId xmlns:p14="http://schemas.microsoft.com/office/powerpoint/2010/main" val="2363007856"/>
       </p:ext>
     </p:extLst>
   </p:cSld>
@@ -5496,116 +5659,37 @@
                 <a:latin typeface="Times New Roman" panose="02020603050405020304" pitchFamily="18" charset="0"/>
                 <a:cs typeface="Times New Roman" panose="02020603050405020304" pitchFamily="18" charset="0"/>
               </a:rPr>
-              <a:t>/LL0250/ </a:t>
+              <a:t>/LL0110/ </a:t>
             </a:r>
             <a:r>
               <a:rPr lang="de-DE" dirty="0">
                 <a:latin typeface="Times New Roman" panose="02020603050405020304" pitchFamily="18" charset="0"/>
                 <a:cs typeface="Times New Roman" panose="02020603050405020304" pitchFamily="18" charset="0"/>
               </a:rPr>
-              <a:t>Profildetails </a:t>
+              <a:t>Handling von Falscheingaben</a:t>
+            </a:r>
+          </a:p>
+          <a:p>
+            <a:r>
+              <a:rPr lang="de-DE" b="1" dirty="0">
+                <a:latin typeface="Times New Roman" panose="02020603050405020304" pitchFamily="18" charset="0"/>
+                <a:cs typeface="Times New Roman" panose="02020603050405020304" pitchFamily="18" charset="0"/>
+              </a:rPr>
+              <a:t>/LL0120/ </a:t>
+            </a:r>
+            <a:r>
+              <a:rPr lang="de-DE" dirty="0">
+                <a:latin typeface="Times New Roman" panose="02020603050405020304" pitchFamily="18" charset="0"/>
+                <a:cs typeface="Times New Roman" panose="02020603050405020304" pitchFamily="18" charset="0"/>
+              </a:rPr>
+              <a:t>Absturz bei Fehler </a:t>
             </a:r>
             <a:r>
               <a:rPr lang="de-DE" i="1" dirty="0">
                 <a:latin typeface="Times New Roman" panose="02020603050405020304" pitchFamily="18" charset="0"/>
                 <a:cs typeface="Times New Roman" panose="02020603050405020304" pitchFamily="18" charset="0"/>
               </a:rPr>
-              <a:t>– Minimal Nutzername schon ausreichend für das Spielen </a:t>
-            </a:r>
-            <a:endParaRPr lang="de-DE" dirty="0">
-              <a:latin typeface="Times New Roman" panose="02020603050405020304" pitchFamily="18" charset="0"/>
-              <a:cs typeface="Times New Roman" panose="02020603050405020304" pitchFamily="18" charset="0"/>
-            </a:endParaRPr>
-          </a:p>
-          <a:p>
-            <a:r>
-              <a:rPr lang="de-DE" b="1" dirty="0">
-                <a:latin typeface="Times New Roman" panose="02020603050405020304" pitchFamily="18" charset="0"/>
-                <a:cs typeface="Times New Roman" panose="02020603050405020304" pitchFamily="18" charset="0"/>
-              </a:rPr>
-              <a:t>/LL0260/ </a:t>
-            </a:r>
-            <a:r>
-              <a:rPr lang="de-DE" dirty="0">
-                <a:latin typeface="Times New Roman" panose="02020603050405020304" pitchFamily="18" charset="0"/>
-                <a:cs typeface="Times New Roman" panose="02020603050405020304" pitchFamily="18" charset="0"/>
-              </a:rPr>
-              <a:t>Bearbeitung des Profils </a:t>
-            </a:r>
-            <a:r>
-              <a:rPr lang="de-DE" i="1" dirty="0">
-                <a:latin typeface="Times New Roman" panose="02020603050405020304" pitchFamily="18" charset="0"/>
-                <a:cs typeface="Times New Roman" panose="02020603050405020304" pitchFamily="18" charset="0"/>
-              </a:rPr>
-              <a:t>– Nutzer kann Profil stets editieren, Kontrolle von veröffentlichten Daten</a:t>
-            </a:r>
-            <a:endParaRPr lang="de-DE" dirty="0">
-              <a:latin typeface="Times New Roman" panose="02020603050405020304" pitchFamily="18" charset="0"/>
-              <a:cs typeface="Times New Roman" panose="02020603050405020304" pitchFamily="18" charset="0"/>
-            </a:endParaRPr>
-          </a:p>
-          <a:p>
-            <a:r>
-              <a:rPr lang="de-DE" b="1" dirty="0">
-                <a:latin typeface="Times New Roman" panose="02020603050405020304" pitchFamily="18" charset="0"/>
-                <a:cs typeface="Times New Roman" panose="02020603050405020304" pitchFamily="18" charset="0"/>
-              </a:rPr>
-              <a:t>/LL0270/ </a:t>
-            </a:r>
-            <a:r>
-              <a:rPr lang="de-DE" dirty="0">
-                <a:latin typeface="Times New Roman" panose="02020603050405020304" pitchFamily="18" charset="0"/>
-                <a:cs typeface="Times New Roman" panose="02020603050405020304" pitchFamily="18" charset="0"/>
-              </a:rPr>
-              <a:t>Löschung des Profils </a:t>
-            </a:r>
-            <a:r>
-              <a:rPr lang="de-DE" i="1" dirty="0">
-                <a:latin typeface="Times New Roman" panose="02020603050405020304" pitchFamily="18" charset="0"/>
-                <a:cs typeface="Times New Roman" panose="02020603050405020304" pitchFamily="18" charset="0"/>
-              </a:rPr>
-              <a:t>– Soll jederzeit möglich sein</a:t>
-            </a:r>
-            <a:endParaRPr lang="de-DE" dirty="0">
-              <a:latin typeface="Times New Roman" panose="02020603050405020304" pitchFamily="18" charset="0"/>
-              <a:cs typeface="Times New Roman" panose="02020603050405020304" pitchFamily="18" charset="0"/>
-            </a:endParaRPr>
-          </a:p>
-          <a:p>
-            <a:r>
-              <a:rPr lang="de-DE" b="1" dirty="0">
-                <a:latin typeface="Times New Roman" panose="02020603050405020304" pitchFamily="18" charset="0"/>
-                <a:cs typeface="Times New Roman" panose="02020603050405020304" pitchFamily="18" charset="0"/>
-              </a:rPr>
-              <a:t>/LLXXXX/ </a:t>
-            </a:r>
-            <a:r>
-              <a:rPr lang="de-DE" dirty="0">
-                <a:latin typeface="Times New Roman" panose="02020603050405020304" pitchFamily="18" charset="0"/>
-                <a:cs typeface="Times New Roman" panose="02020603050405020304" pitchFamily="18" charset="0"/>
-              </a:rPr>
-              <a:t>Sicherheit der </a:t>
-            </a:r>
-            <a:r>
-              <a:rPr lang="de-DE" dirty="0" err="1">
-                <a:latin typeface="Times New Roman" panose="02020603050405020304" pitchFamily="18" charset="0"/>
-                <a:cs typeface="Times New Roman" panose="02020603050405020304" pitchFamily="18" charset="0"/>
-              </a:rPr>
-              <a:t>Accountdaten</a:t>
-            </a:r>
-            <a:r>
-              <a:rPr lang="de-DE" dirty="0">
-                <a:latin typeface="Times New Roman" panose="02020603050405020304" pitchFamily="18" charset="0"/>
-                <a:cs typeface="Times New Roman" panose="02020603050405020304" pitchFamily="18" charset="0"/>
-              </a:rPr>
-              <a:t> </a:t>
-            </a:r>
-            <a:r>
-              <a:rPr lang="de-DE" i="1" dirty="0">
-                <a:latin typeface="Times New Roman" panose="02020603050405020304" pitchFamily="18" charset="0"/>
-                <a:cs typeface="Times New Roman" panose="02020603050405020304" pitchFamily="18" charset="0"/>
-              </a:rPr>
-              <a:t>– Zugangsdaten müssen geschützt werden</a:t>
+              <a:t>– minimaler Schaden(z.B. Datenverlust) bei intern-auftretenden Fehlern, Absturzvermeidung</a:t>
             </a:r>
             <a:endParaRPr lang="de-DE" dirty="0">
               <a:latin typeface="Times New Roman" panose="02020603050405020304" pitchFamily="18" charset="0"/>
@@ -5633,26 +5717,31 @@
         <p:spPr>
           <a:xfrm>
             <a:off x="252919" y="773317"/>
-            <a:ext cx="2947482" cy="1038705"/>
+            <a:ext cx="2947482" cy="1189707"/>
           </a:xfrm>
         </p:spPr>
         <p:txBody>
           <a:bodyPr>
-            <a:normAutofit fontScale="90000"/>
+            <a:normAutofit/>
           </a:bodyPr>
           <a:lstStyle/>
           <a:p>
             <a:r>
-              <a:rPr lang="de-DE" dirty="0"/>
-              <a:t>1.Datenschutz und Anonymität</a:t>
-            </a:r>
+              <a:rPr lang="de-DE" sz="3200" dirty="0"/>
+              <a:t>2. Fehler-</a:t>
+            </a:r>
+            <a:r>
+              <a:rPr lang="de-DE" sz="3200" dirty="0" err="1"/>
+              <a:t>unanfälligkeit</a:t>
+            </a:r>
+            <a:endParaRPr lang="de-DE" sz="3200" dirty="0"/>
           </a:p>
         </p:txBody>
       </p:sp>
     </p:spTree>
     <p:extLst>
       <p:ext uri="{BB962C8B-B14F-4D97-AF65-F5344CB8AC3E}">
-        <p14:creationId xmlns:p14="http://schemas.microsoft.com/office/powerpoint/2010/main" val="2363007856"/>
+        <p14:creationId xmlns:p14="http://schemas.microsoft.com/office/powerpoint/2010/main" val="1850362767"/>
       </p:ext>
     </p:extLst>
   </p:cSld>
@@ -5705,15 +5794,26 @@
                 <a:latin typeface="Times New Roman" panose="02020603050405020304" pitchFamily="18" charset="0"/>
                 <a:cs typeface="Times New Roman" panose="02020603050405020304" pitchFamily="18" charset="0"/>
               </a:rPr>
-              <a:t>/LLXXXX/ </a:t>
+              <a:t>/LL0210/ </a:t>
             </a:r>
             <a:r>
               <a:rPr lang="de-DE" dirty="0">
                 <a:latin typeface="Times New Roman" panose="02020603050405020304" pitchFamily="18" charset="0"/>
                 <a:cs typeface="Times New Roman" panose="02020603050405020304" pitchFamily="18" charset="0"/>
               </a:rPr>
-              <a:t>Handling von Falscheingaben</a:t>
-            </a:r>
+              <a:t>Dokumentation </a:t>
+            </a:r>
+            <a:r>
+              <a:rPr lang="de-DE" i="1" dirty="0">
+                <a:latin typeface="Times New Roman" panose="02020603050405020304" pitchFamily="18" charset="0"/>
+                <a:cs typeface="Times New Roman" panose="02020603050405020304" pitchFamily="18" charset="0"/>
+              </a:rPr>
+              <a:t>– Dokumentierung und Kommentierung des Programmcodes</a:t>
+            </a:r>
+            <a:endParaRPr lang="de-DE" dirty="0">
+              <a:latin typeface="Times New Roman" panose="02020603050405020304" pitchFamily="18" charset="0"/>
+              <a:cs typeface="Times New Roman" panose="02020603050405020304" pitchFamily="18" charset="0"/>
+            </a:endParaRPr>
           </a:p>
           <a:p>
             <a:r>
@@ -5721,21 +5821,21 @@
                 <a:latin typeface="Times New Roman" panose="02020603050405020304" pitchFamily="18" charset="0"/>
                 <a:cs typeface="Times New Roman" panose="02020603050405020304" pitchFamily="18" charset="0"/>
               </a:rPr>
-              <a:t>/LLXXXX/ </a:t>
+              <a:t>/LL0220/ </a:t>
             </a:r>
             <a:r>
               <a:rPr lang="de-DE" dirty="0">
                 <a:latin typeface="Times New Roman" panose="02020603050405020304" pitchFamily="18" charset="0"/>
                 <a:cs typeface="Times New Roman" panose="02020603050405020304" pitchFamily="18" charset="0"/>
               </a:rPr>
-              <a:t>Absturz bei Fehler </a:t>
+              <a:t>Einfache Wartung und Modularität </a:t>
             </a:r>
             <a:r>
               <a:rPr lang="de-DE" i="1" dirty="0">
                 <a:latin typeface="Times New Roman" panose="02020603050405020304" pitchFamily="18" charset="0"/>
                 <a:cs typeface="Times New Roman" panose="02020603050405020304" pitchFamily="18" charset="0"/>
               </a:rPr>
-              <a:t>– minimaler Schaden(z.B. Datenverlust) bei intern-auftretenden Fehlern, Absturzvermeidung</a:t>
+              <a:t>– Modularisierung des Codes, Struktur für bessere Lesbarkeit und eventuelle Änderungen im Programmcode</a:t>
             </a:r>
             <a:endParaRPr lang="de-DE" dirty="0">
               <a:latin typeface="Times New Roman" panose="02020603050405020304" pitchFamily="18" charset="0"/>
@@ -5763,7 +5863,7 @@
         <p:spPr>
           <a:xfrm>
             <a:off x="252919" y="773317"/>
-            <a:ext cx="2947482" cy="1189707"/>
+            <a:ext cx="2947482" cy="1038705"/>
           </a:xfrm>
         </p:spPr>
         <p:txBody>
@@ -5774,20 +5874,15 @@
           <a:p>
             <a:r>
               <a:rPr lang="de-DE" sz="3200" dirty="0"/>
-              <a:t>2. Fehler-</a:t>
-            </a:r>
-            <a:r>
-              <a:rPr lang="de-DE" sz="3200" dirty="0" err="1"/>
-              <a:t>unanfälligkeit</a:t>
-            </a:r>
-            <a:endParaRPr lang="de-DE" sz="3200" dirty="0"/>
+              <a:t>3. Wartung</a:t>
+            </a:r>
           </a:p>
         </p:txBody>
       </p:sp>
     </p:spTree>
     <p:extLst>
       <p:ext uri="{BB962C8B-B14F-4D97-AF65-F5344CB8AC3E}">
-        <p14:creationId xmlns:p14="http://schemas.microsoft.com/office/powerpoint/2010/main" val="1850362767"/>
+        <p14:creationId xmlns:p14="http://schemas.microsoft.com/office/powerpoint/2010/main" val="1513477360"/>
       </p:ext>
     </p:extLst>
   </p:cSld>
@@ -5840,21 +5935,21 @@
                 <a:latin typeface="Times New Roman" panose="02020603050405020304" pitchFamily="18" charset="0"/>
                 <a:cs typeface="Times New Roman" panose="02020603050405020304" pitchFamily="18" charset="0"/>
               </a:rPr>
-              <a:t>/LLXXXX/ </a:t>
+              <a:t>/LL0310/ </a:t>
             </a:r>
             <a:r>
               <a:rPr lang="de-DE" dirty="0">
                 <a:latin typeface="Times New Roman" panose="02020603050405020304" pitchFamily="18" charset="0"/>
                 <a:cs typeface="Times New Roman" panose="02020603050405020304" pitchFamily="18" charset="0"/>
               </a:rPr>
-              <a:t>Dokumentation </a:t>
+              <a:t>Einfache grafische Interaktion </a:t>
             </a:r>
             <a:r>
               <a:rPr lang="de-DE" i="1" dirty="0">
                 <a:latin typeface="Times New Roman" panose="02020603050405020304" pitchFamily="18" charset="0"/>
                 <a:cs typeface="Times New Roman" panose="02020603050405020304" pitchFamily="18" charset="0"/>
               </a:rPr>
-              <a:t>– Dokumentierung und Kommentierung des Programmcodes</a:t>
+              <a:t>– Einfaches User-Interface ausreichend</a:t>
             </a:r>
             <a:endParaRPr lang="de-DE" dirty="0">
               <a:latin typeface="Times New Roman" panose="02020603050405020304" pitchFamily="18" charset="0"/>
@@ -5867,21 +5962,21 @@
                 <a:latin typeface="Times New Roman" panose="02020603050405020304" pitchFamily="18" charset="0"/>
                 <a:cs typeface="Times New Roman" panose="02020603050405020304" pitchFamily="18" charset="0"/>
               </a:rPr>
-              <a:t>/LLXXXX/ </a:t>
+              <a:t>/LL0320/ </a:t>
             </a:r>
             <a:r>
               <a:rPr lang="de-DE" dirty="0">
                 <a:latin typeface="Times New Roman" panose="02020603050405020304" pitchFamily="18" charset="0"/>
                 <a:cs typeface="Times New Roman" panose="02020603050405020304" pitchFamily="18" charset="0"/>
               </a:rPr>
-              <a:t>Einfache Wartung und Modularität </a:t>
+              <a:t>Korrektheit von Eingaben </a:t>
             </a:r>
             <a:r>
               <a:rPr lang="de-DE" i="1" dirty="0">
                 <a:latin typeface="Times New Roman" panose="02020603050405020304" pitchFamily="18" charset="0"/>
                 <a:cs typeface="Times New Roman" panose="02020603050405020304" pitchFamily="18" charset="0"/>
               </a:rPr>
-              <a:t>– Modularisierung des Codes, Struktur für bessere Lesbarkeit und eventuelle Änderungen im Programmcode</a:t>
+              <a:t>– Abfangen möglicher falscher Benutzereingaben </a:t>
             </a:r>
             <a:endParaRPr lang="de-DE" dirty="0">
               <a:latin typeface="Times New Roman" panose="02020603050405020304" pitchFamily="18" charset="0"/>
@@ -5914,13 +6009,13 @@
         </p:spPr>
         <p:txBody>
           <a:bodyPr>
-            <a:normAutofit/>
+            <a:normAutofit fontScale="90000"/>
           </a:bodyPr>
           <a:lstStyle/>
           <a:p>
             <a:r>
-              <a:rPr lang="de-DE" sz="3200" dirty="0"/>
-              <a:t>3. Wartung</a:t>
+              <a:rPr lang="de-DE" dirty="0"/>
+              <a:t>4. Benutzer-interaktion</a:t>
             </a:r>
           </a:p>
         </p:txBody>
@@ -5928,7 +6023,7 @@
     </p:spTree>
     <p:extLst>
       <p:ext uri="{BB962C8B-B14F-4D97-AF65-F5344CB8AC3E}">
-        <p14:creationId xmlns:p14="http://schemas.microsoft.com/office/powerpoint/2010/main" val="1513477360"/>
+        <p14:creationId xmlns:p14="http://schemas.microsoft.com/office/powerpoint/2010/main" val="320072663"/>
       </p:ext>
     </p:extLst>
   </p:cSld>
@@ -5957,10 +6052,10 @@
       </p:grpSpPr>
       <p:sp>
         <p:nvSpPr>
-          <p:cNvPr id="3" name="Inhaltsplatzhalter 2">
+          <p:cNvPr id="2" name="Titel 1">
             <a:extLst>
               <a:ext uri="{FF2B5EF4-FFF2-40B4-BE49-F238E27FC236}">
-                <a16:creationId xmlns:a16="http://schemas.microsoft.com/office/drawing/2014/main" id="{3779705D-DB41-4431-95B3-4AAEE1C4A635}"/>
+                <a16:creationId xmlns:a16="http://schemas.microsoft.com/office/drawing/2014/main" id="{A60F5AAC-8EE0-4163-98FD-B00A366895C3}"/>
               </a:ext>
             </a:extLst>
           </p:cNvPr>
@@ -5968,7 +6063,7 @@
             <a:spLocks noGrp="1"/>
           </p:cNvSpPr>
           <p:nvPr>
-            <p:ph idx="1"/>
+            <p:ph type="title"/>
           </p:nvPr>
         </p:nvSpPr>
         <p:spPr/>
@@ -5977,66 +6072,18 @@
           <a:lstStyle/>
           <a:p>
             <a:r>
-              <a:rPr lang="de-DE" b="1" dirty="0">
-                <a:latin typeface="Times New Roman" panose="02020603050405020304" pitchFamily="18" charset="0"/>
-                <a:cs typeface="Times New Roman" panose="02020603050405020304" pitchFamily="18" charset="0"/>
-              </a:rPr>
-              <a:t>/LLXXXX/ </a:t>
-            </a:r>
-            <a:r>
-              <a:rPr lang="de-DE" dirty="0">
-                <a:latin typeface="Times New Roman" panose="02020603050405020304" pitchFamily="18" charset="0"/>
-                <a:cs typeface="Times New Roman" panose="02020603050405020304" pitchFamily="18" charset="0"/>
-              </a:rPr>
-              <a:t>Einfache grafische Interaktion </a:t>
-            </a:r>
-            <a:r>
-              <a:rPr lang="de-DE" i="1" dirty="0">
-                <a:latin typeface="Times New Roman" panose="02020603050405020304" pitchFamily="18" charset="0"/>
-                <a:cs typeface="Times New Roman" panose="02020603050405020304" pitchFamily="18" charset="0"/>
-              </a:rPr>
-              <a:t>– Einfaches User-Interface ausreichend</a:t>
-            </a:r>
-            <a:endParaRPr lang="de-DE" dirty="0">
-              <a:latin typeface="Times New Roman" panose="02020603050405020304" pitchFamily="18" charset="0"/>
-              <a:cs typeface="Times New Roman" panose="02020603050405020304" pitchFamily="18" charset="0"/>
-            </a:endParaRPr>
-          </a:p>
-          <a:p>
-            <a:r>
-              <a:rPr lang="de-DE" b="1" dirty="0">
-                <a:latin typeface="Times New Roman" panose="02020603050405020304" pitchFamily="18" charset="0"/>
-                <a:cs typeface="Times New Roman" panose="02020603050405020304" pitchFamily="18" charset="0"/>
-              </a:rPr>
-              <a:t>/LLXXXX/ </a:t>
-            </a:r>
-            <a:r>
-              <a:rPr lang="de-DE" dirty="0">
-                <a:latin typeface="Times New Roman" panose="02020603050405020304" pitchFamily="18" charset="0"/>
-                <a:cs typeface="Times New Roman" panose="02020603050405020304" pitchFamily="18" charset="0"/>
-              </a:rPr>
-              <a:t>Korrektheit von Eingaben </a:t>
-            </a:r>
-            <a:r>
-              <a:rPr lang="de-DE" i="1" dirty="0">
-                <a:latin typeface="Times New Roman" panose="02020603050405020304" pitchFamily="18" charset="0"/>
-                <a:cs typeface="Times New Roman" panose="02020603050405020304" pitchFamily="18" charset="0"/>
-              </a:rPr>
-              <a:t>– Abfangen möglicher falscher Benutzereingaben </a:t>
-            </a:r>
-            <a:endParaRPr lang="de-DE" dirty="0">
-              <a:latin typeface="Times New Roman" panose="02020603050405020304" pitchFamily="18" charset="0"/>
-              <a:cs typeface="Times New Roman" panose="02020603050405020304" pitchFamily="18" charset="0"/>
-            </a:endParaRPr>
-          </a:p>
-        </p:txBody>
-      </p:sp>
-      <p:sp>
-        <p:nvSpPr>
-          <p:cNvPr id="4" name="Titel 1">
+              <a:rPr lang="de-DE" dirty="0"/>
+              <a:t>Nicht-funktionale Anforderungen</a:t>
+            </a:r>
+          </a:p>
+        </p:txBody>
+      </p:sp>
+      <p:sp>
+        <p:nvSpPr>
+          <p:cNvPr id="3" name="Textplatzhalter 2">
             <a:extLst>
               <a:ext uri="{FF2B5EF4-FFF2-40B4-BE49-F238E27FC236}">
-                <a16:creationId xmlns:a16="http://schemas.microsoft.com/office/drawing/2014/main" id="{170FE519-E518-4F96-87D6-C028EA4AA3BD}"/>
+                <a16:creationId xmlns:a16="http://schemas.microsoft.com/office/drawing/2014/main" id="{F5917C28-160D-4DFE-B920-2E09D41C74E7}"/>
               </a:ext>
             </a:extLst>
           </p:cNvPr>
@@ -6044,24 +6091,17 @@
             <a:spLocks noGrp="1"/>
           </p:cNvSpPr>
           <p:nvPr>
-            <p:ph type="title"/>
-          </p:nvPr>
-        </p:nvSpPr>
-        <p:spPr>
-          <a:xfrm>
-            <a:off x="252919" y="773317"/>
-            <a:ext cx="2947482" cy="1038705"/>
-          </a:xfrm>
-        </p:spPr>
-        <p:txBody>
-          <a:bodyPr>
-            <a:normAutofit fontScale="90000"/>
-          </a:bodyPr>
+            <p:ph type="body" idx="1"/>
+          </p:nvPr>
+        </p:nvSpPr>
+        <p:spPr/>
+        <p:txBody>
+          <a:bodyPr/>
           <a:lstStyle/>
           <a:p>
             <a:r>
               <a:rPr lang="de-DE" dirty="0"/>
-              <a:t>4. Benutzer-interaktion</a:t>
+              <a:t>2. Kann-Ziele</a:t>
             </a:r>
           </a:p>
         </p:txBody>
@@ -6069,7 +6109,7 @@
     </p:spTree>
     <p:extLst>
       <p:ext uri="{BB962C8B-B14F-4D97-AF65-F5344CB8AC3E}">
-        <p14:creationId xmlns:p14="http://schemas.microsoft.com/office/powerpoint/2010/main" val="320072663"/>
+        <p14:creationId xmlns:p14="http://schemas.microsoft.com/office/powerpoint/2010/main" val="1029807077"/>
       </p:ext>
     </p:extLst>
   </p:cSld>
@@ -6098,10 +6138,10 @@
       </p:grpSpPr>
       <p:sp>
         <p:nvSpPr>
-          <p:cNvPr id="2" name="Titel 1">
+          <p:cNvPr id="3" name="Inhaltsplatzhalter 2">
             <a:extLst>
               <a:ext uri="{FF2B5EF4-FFF2-40B4-BE49-F238E27FC236}">
-                <a16:creationId xmlns:a16="http://schemas.microsoft.com/office/drawing/2014/main" id="{A60F5AAC-8EE0-4163-98FD-B00A366895C3}"/>
+                <a16:creationId xmlns:a16="http://schemas.microsoft.com/office/drawing/2014/main" id="{3779705D-DB41-4431-95B3-4AAEE1C4A635}"/>
               </a:ext>
             </a:extLst>
           </p:cNvPr>
@@ -6109,7 +6149,7 @@
             <a:spLocks noGrp="1"/>
           </p:cNvSpPr>
           <p:nvPr>
-            <p:ph type="title"/>
+            <p:ph idx="1"/>
           </p:nvPr>
         </p:nvSpPr>
         <p:spPr/>
@@ -6118,44 +6158,64 @@
           <a:lstStyle/>
           <a:p>
             <a:r>
-              <a:rPr lang="de-DE" dirty="0"/>
-              <a:t>Nicht-funktionale Anforderungen</a:t>
-            </a:r>
-          </a:p>
-        </p:txBody>
-      </p:sp>
-      <p:sp>
-        <p:nvSpPr>
-          <p:cNvPr id="3" name="Textplatzhalter 2">
-            <a:extLst>
-              <a:ext uri="{FF2B5EF4-FFF2-40B4-BE49-F238E27FC236}">
-                <a16:creationId xmlns:a16="http://schemas.microsoft.com/office/drawing/2014/main" id="{F5917C28-160D-4DFE-B920-2E09D41C74E7}"/>
-              </a:ext>
-            </a:extLst>
-          </p:cNvPr>
-          <p:cNvSpPr>
-            <a:spLocks noGrp="1"/>
-          </p:cNvSpPr>
-          <p:nvPr>
-            <p:ph type="body" idx="1"/>
-          </p:nvPr>
-        </p:nvSpPr>
-        <p:spPr/>
-        <p:txBody>
-          <a:bodyPr/>
-          <a:lstStyle/>
-          <a:p>
-            <a:r>
-              <a:rPr lang="de-DE" dirty="0"/>
-              <a:t>2. Kann-Ziele</a:t>
-            </a:r>
+              <a:rPr lang="de-DE" b="1" dirty="0">
+                <a:latin typeface="Times New Roman" panose="02020603050405020304" pitchFamily="18" charset="0"/>
+                <a:cs typeface="Times New Roman" panose="02020603050405020304" pitchFamily="18" charset="0"/>
+              </a:rPr>
+              <a:t>/LL0410/</a:t>
+            </a:r>
+            <a:r>
+              <a:rPr lang="de-DE" dirty="0">
+                <a:latin typeface="Times New Roman" panose="02020603050405020304" pitchFamily="18" charset="0"/>
+                <a:cs typeface="Times New Roman" panose="02020603050405020304" pitchFamily="18" charset="0"/>
+              </a:rPr>
+              <a:t> Distribution an andere Versionen </a:t>
+            </a:r>
+            <a:r>
+              <a:rPr lang="de-DE" i="1" dirty="0">
+                <a:latin typeface="Times New Roman" panose="02020603050405020304" pitchFamily="18" charset="0"/>
+                <a:cs typeface="Times New Roman" panose="02020603050405020304" pitchFamily="18" charset="0"/>
+              </a:rPr>
+              <a:t>– Unterstützung für möglichst viele Android-Versionen</a:t>
+            </a:r>
+            <a:endParaRPr lang="de-DE" dirty="0">
+              <a:latin typeface="Times New Roman" panose="02020603050405020304" pitchFamily="18" charset="0"/>
+              <a:cs typeface="Times New Roman" panose="02020603050405020304" pitchFamily="18" charset="0"/>
+            </a:endParaRPr>
+          </a:p>
+          <a:p>
+            <a:r>
+              <a:rPr lang="de-DE" b="1" dirty="0">
+                <a:latin typeface="Times New Roman" panose="02020603050405020304" pitchFamily="18" charset="0"/>
+                <a:cs typeface="Times New Roman" panose="02020603050405020304" pitchFamily="18" charset="0"/>
+              </a:rPr>
+              <a:t>/LL0420/ </a:t>
+            </a:r>
+            <a:r>
+              <a:rPr lang="de-DE" dirty="0">
+                <a:latin typeface="Times New Roman" panose="02020603050405020304" pitchFamily="18" charset="0"/>
+                <a:cs typeface="Times New Roman" panose="02020603050405020304" pitchFamily="18" charset="0"/>
+              </a:rPr>
+              <a:t>Effiziente Implementierung </a:t>
+            </a:r>
+            <a:r>
+              <a:rPr lang="de-DE" i="1" dirty="0">
+                <a:latin typeface="Times New Roman" panose="02020603050405020304" pitchFamily="18" charset="0"/>
+                <a:cs typeface="Times New Roman" panose="02020603050405020304" pitchFamily="18" charset="0"/>
+              </a:rPr>
+              <a:t>– Komplexität in Laufzeit und Speicherbedarf sollen beachtet werden</a:t>
+            </a:r>
+            <a:endParaRPr lang="de-DE" dirty="0">
+              <a:latin typeface="Times New Roman" panose="02020603050405020304" pitchFamily="18" charset="0"/>
+              <a:cs typeface="Times New Roman" panose="02020603050405020304" pitchFamily="18" charset="0"/>
+            </a:endParaRPr>
           </a:p>
         </p:txBody>
       </p:sp>
     </p:spTree>
     <p:extLst>
       <p:ext uri="{BB962C8B-B14F-4D97-AF65-F5344CB8AC3E}">
-        <p14:creationId xmlns:p14="http://schemas.microsoft.com/office/powerpoint/2010/main" val="1029807077"/>
+        <p14:creationId xmlns:p14="http://schemas.microsoft.com/office/powerpoint/2010/main" val="1572426328"/>
       </p:ext>
     </p:extLst>
   </p:cSld>
@@ -6184,112 +6244,6 @@
       </p:grpSpPr>
       <p:sp>
         <p:nvSpPr>
-          <p:cNvPr id="3" name="Inhaltsplatzhalter 2">
-            <a:extLst>
-              <a:ext uri="{FF2B5EF4-FFF2-40B4-BE49-F238E27FC236}">
-                <a16:creationId xmlns:a16="http://schemas.microsoft.com/office/drawing/2014/main" id="{3779705D-DB41-4431-95B3-4AAEE1C4A635}"/>
-              </a:ext>
-            </a:extLst>
-          </p:cNvPr>
-          <p:cNvSpPr>
-            <a:spLocks noGrp="1"/>
-          </p:cNvSpPr>
-          <p:nvPr>
-            <p:ph idx="1"/>
-          </p:nvPr>
-        </p:nvSpPr>
-        <p:spPr/>
-        <p:txBody>
-          <a:bodyPr/>
-          <a:lstStyle/>
-          <a:p>
-            <a:r>
-              <a:rPr lang="de-DE" b="1" dirty="0">
-                <a:latin typeface="Times New Roman" panose="02020603050405020304" pitchFamily="18" charset="0"/>
-                <a:cs typeface="Times New Roman" panose="02020603050405020304" pitchFamily="18" charset="0"/>
-              </a:rPr>
-              <a:t>/LL0280/</a:t>
-            </a:r>
-            <a:r>
-              <a:rPr lang="de-DE" dirty="0">
-                <a:latin typeface="Times New Roman" panose="02020603050405020304" pitchFamily="18" charset="0"/>
-                <a:cs typeface="Times New Roman" panose="02020603050405020304" pitchFamily="18" charset="0"/>
-              </a:rPr>
-              <a:t> Distribution an andere Versionen </a:t>
-            </a:r>
-            <a:r>
-              <a:rPr lang="de-DE" i="1" dirty="0">
-                <a:latin typeface="Times New Roman" panose="02020603050405020304" pitchFamily="18" charset="0"/>
-                <a:cs typeface="Times New Roman" panose="02020603050405020304" pitchFamily="18" charset="0"/>
-              </a:rPr>
-              <a:t>– Unterstützung für möglichst viele Android-Versionen</a:t>
-            </a:r>
-            <a:endParaRPr lang="de-DE" dirty="0">
-              <a:latin typeface="Times New Roman" panose="02020603050405020304" pitchFamily="18" charset="0"/>
-              <a:cs typeface="Times New Roman" panose="02020603050405020304" pitchFamily="18" charset="0"/>
-            </a:endParaRPr>
-          </a:p>
-          <a:p>
-            <a:r>
-              <a:rPr lang="de-DE" b="1" dirty="0">
-                <a:latin typeface="Times New Roman" panose="02020603050405020304" pitchFamily="18" charset="0"/>
-                <a:cs typeface="Times New Roman" panose="02020603050405020304" pitchFamily="18" charset="0"/>
-              </a:rPr>
-              <a:t>/LL0290/ </a:t>
-            </a:r>
-            <a:r>
-              <a:rPr lang="de-DE" dirty="0">
-                <a:latin typeface="Times New Roman" panose="02020603050405020304" pitchFamily="18" charset="0"/>
-                <a:cs typeface="Times New Roman" panose="02020603050405020304" pitchFamily="18" charset="0"/>
-              </a:rPr>
-              <a:t>Effiziente Implementierung </a:t>
-            </a:r>
-            <a:r>
-              <a:rPr lang="de-DE" i="1" dirty="0">
-                <a:latin typeface="Times New Roman" panose="02020603050405020304" pitchFamily="18" charset="0"/>
-                <a:cs typeface="Times New Roman" panose="02020603050405020304" pitchFamily="18" charset="0"/>
-              </a:rPr>
-              <a:t>– Komplexität in Laufzeit und Speicherbedarf sollen beachtet werden</a:t>
-            </a:r>
-            <a:endParaRPr lang="de-DE" dirty="0">
-              <a:latin typeface="Times New Roman" panose="02020603050405020304" pitchFamily="18" charset="0"/>
-              <a:cs typeface="Times New Roman" panose="02020603050405020304" pitchFamily="18" charset="0"/>
-            </a:endParaRPr>
-          </a:p>
-        </p:txBody>
-      </p:sp>
-    </p:spTree>
-    <p:extLst>
-      <p:ext uri="{BB962C8B-B14F-4D97-AF65-F5344CB8AC3E}">
-        <p14:creationId xmlns:p14="http://schemas.microsoft.com/office/powerpoint/2010/main" val="1572426328"/>
-      </p:ext>
-    </p:extLst>
-  </p:cSld>
-  <p:clrMapOvr>
-    <a:masterClrMapping/>
-  </p:clrMapOvr>
-</p:sld>
-</file>
-
-<file path=ppt/slides/slide27.xml><?xml version="1.0" encoding="utf-8"?>
-<p:sld xmlns:a="http://schemas.openxmlformats.org/drawingml/2006/main" xmlns:r="http://schemas.openxmlformats.org/officeDocument/2006/relationships" xmlns:p="http://schemas.openxmlformats.org/presentationml/2006/main">
-  <p:cSld>
-    <p:spTree>
-      <p:nvGrpSpPr>
-        <p:cNvPr id="1" name=""/>
-        <p:cNvGrpSpPr/>
-        <p:nvPr/>
-      </p:nvGrpSpPr>
-      <p:grpSpPr>
-        <a:xfrm>
-          <a:off x="0" y="0"/>
-          <a:ext cx="0" cy="0"/>
-          <a:chOff x="0" y="0"/>
-          <a:chExt cx="0" cy="0"/>
-        </a:xfrm>
-      </p:grpSpPr>
-      <p:sp>
-        <p:nvSpPr>
           <p:cNvPr id="2" name="Titel 1">
             <a:extLst>
               <a:ext uri="{FF2B5EF4-FFF2-40B4-BE49-F238E27FC236}">
@@ -6329,7 +6283,7 @@
 </p:sld>
 </file>
 
-<file path=ppt/slides/slide28.xml><?xml version="1.0" encoding="utf-8"?>
+<file path=ppt/slides/slide27.xml><?xml version="1.0" encoding="utf-8"?>
 <p:sld xmlns:a="http://schemas.openxmlformats.org/drawingml/2006/main" xmlns:r="http://schemas.openxmlformats.org/officeDocument/2006/relationships" xmlns:p="http://schemas.openxmlformats.org/presentationml/2006/main">
   <p:cSld>
     <p:spTree>
@@ -6732,6 +6686,36 @@
 </p:sld>
 </file>
 
+<file path=ppt/slides/slide28.xml><?xml version="1.0" encoding="utf-8"?>
+<p:sld xmlns:a="http://schemas.openxmlformats.org/drawingml/2006/main" xmlns:r="http://schemas.openxmlformats.org/officeDocument/2006/relationships" xmlns:p="http://schemas.openxmlformats.org/presentationml/2006/main">
+  <p:cSld>
+    <p:spTree>
+      <p:nvGrpSpPr>
+        <p:cNvPr id="1" name=""/>
+        <p:cNvGrpSpPr/>
+        <p:nvPr/>
+      </p:nvGrpSpPr>
+      <p:grpSpPr>
+        <a:xfrm>
+          <a:off x="0" y="0"/>
+          <a:ext cx="0" cy="0"/>
+          <a:chOff x="0" y="0"/>
+          <a:chExt cx="0" cy="0"/>
+        </a:xfrm>
+      </p:grpSpPr>
+    </p:spTree>
+    <p:extLst>
+      <p:ext uri="{BB962C8B-B14F-4D97-AF65-F5344CB8AC3E}">
+        <p14:creationId xmlns:p14="http://schemas.microsoft.com/office/powerpoint/2010/main" val="2015700820"/>
+      </p:ext>
+    </p:extLst>
+  </p:cSld>
+  <p:clrMapOvr>
+    <a:masterClrMapping/>
+  </p:clrMapOvr>
+</p:sld>
+</file>
+
 <file path=ppt/slides/slide3.xml><?xml version="1.0" encoding="utf-8"?>
 <p:sld xmlns:a="http://schemas.openxmlformats.org/drawingml/2006/main" xmlns:r="http://schemas.openxmlformats.org/officeDocument/2006/relationships" xmlns:p="http://schemas.openxmlformats.org/presentationml/2006/main">
   <p:cSld>
@@ -6950,37 +6934,37 @@
                 <a:latin typeface="Times New Roman" panose="02020603050405020304" pitchFamily="18" charset="0"/>
                 <a:cs typeface="Times New Roman" panose="02020603050405020304" pitchFamily="18" charset="0"/>
               </a:rPr>
+              <a:t>/LF0030/ </a:t>
+            </a:r>
+            <a:r>
+              <a:rPr lang="de-DE" sz="1800" dirty="0">
+                <a:latin typeface="Times New Roman" panose="02020603050405020304" pitchFamily="18" charset="0"/>
+                <a:cs typeface="Times New Roman" panose="02020603050405020304" pitchFamily="18" charset="0"/>
+              </a:rPr>
+              <a:t>Anzeige der </a:t>
+            </a:r>
+            <a:r>
+              <a:rPr lang="de-DE" sz="1800" dirty="0" err="1">
+                <a:latin typeface="Times New Roman" panose="02020603050405020304" pitchFamily="18" charset="0"/>
+                <a:cs typeface="Times New Roman" panose="02020603050405020304" pitchFamily="18" charset="0"/>
+              </a:rPr>
+              <a:t>Accountübersicht</a:t>
+            </a:r>
+            <a:r>
+              <a:rPr lang="de-DE" sz="1800" dirty="0">
+                <a:latin typeface="Times New Roman" panose="02020603050405020304" pitchFamily="18" charset="0"/>
+                <a:cs typeface="Times New Roman" panose="02020603050405020304" pitchFamily="18" charset="0"/>
+              </a:rPr>
+              <a:t> </a:t>
+            </a:r>
+          </a:p>
+          <a:p>
+            <a:r>
+              <a:rPr lang="de-DE" sz="1800" b="1" dirty="0">
+                <a:latin typeface="Times New Roman" panose="02020603050405020304" pitchFamily="18" charset="0"/>
+                <a:cs typeface="Times New Roman" panose="02020603050405020304" pitchFamily="18" charset="0"/>
+              </a:rPr>
               <a:t>/LF0040/ </a:t>
-            </a:r>
-            <a:r>
-              <a:rPr lang="de-DE" sz="1800" dirty="0">
-                <a:latin typeface="Times New Roman" panose="02020603050405020304" pitchFamily="18" charset="0"/>
-                <a:cs typeface="Times New Roman" panose="02020603050405020304" pitchFamily="18" charset="0"/>
-              </a:rPr>
-              <a:t>Anzeige der </a:t>
-            </a:r>
-            <a:r>
-              <a:rPr lang="de-DE" sz="1800" dirty="0" err="1">
-                <a:latin typeface="Times New Roman" panose="02020603050405020304" pitchFamily="18" charset="0"/>
-                <a:cs typeface="Times New Roman" panose="02020603050405020304" pitchFamily="18" charset="0"/>
-              </a:rPr>
-              <a:t>Accountübersicht</a:t>
-            </a:r>
-            <a:r>
-              <a:rPr lang="de-DE" sz="1800" dirty="0">
-                <a:latin typeface="Times New Roman" panose="02020603050405020304" pitchFamily="18" charset="0"/>
-                <a:cs typeface="Times New Roman" panose="02020603050405020304" pitchFamily="18" charset="0"/>
-              </a:rPr>
-              <a:t> </a:t>
-            </a:r>
-          </a:p>
-          <a:p>
-            <a:r>
-              <a:rPr lang="de-DE" sz="1800" b="1" dirty="0">
-                <a:latin typeface="Times New Roman" panose="02020603050405020304" pitchFamily="18" charset="0"/>
-                <a:cs typeface="Times New Roman" panose="02020603050405020304" pitchFamily="18" charset="0"/>
-              </a:rPr>
-              <a:t>/LF0030/ </a:t>
             </a:r>
             <a:r>
               <a:rPr lang="de-DE" sz="1800" dirty="0">
@@ -7000,7 +6984,7 @@
                 <a:latin typeface="Times New Roman" panose="02020603050405020304" pitchFamily="18" charset="0"/>
                 <a:cs typeface="Times New Roman" panose="02020603050405020304" pitchFamily="18" charset="0"/>
               </a:rPr>
-              <a:t>/LF0040/ </a:t>
+              <a:t>/LF0050/ </a:t>
             </a:r>
             <a:r>
               <a:rPr lang="de-DE" sz="1800" dirty="0">
@@ -7015,29 +6999,6 @@
                 <a:cs typeface="Times New Roman" panose="02020603050405020304" pitchFamily="18" charset="0"/>
               </a:rPr>
               <a:t>– im Fall des Vergessens</a:t>
-            </a:r>
-          </a:p>
-          <a:p>
-            <a:r>
-              <a:rPr lang="de-DE" sz="1800" b="1" dirty="0">
-                <a:latin typeface="Times New Roman" panose="02020603050405020304" pitchFamily="18" charset="0"/>
-                <a:cs typeface="Times New Roman" panose="02020603050405020304" pitchFamily="18" charset="0"/>
-              </a:rPr>
-              <a:t>/LF0050/ </a:t>
-            </a:r>
-            <a:r>
-              <a:rPr lang="de-DE" sz="1800" dirty="0">
-                <a:latin typeface="Times New Roman" panose="02020603050405020304" pitchFamily="18" charset="0"/>
-                <a:cs typeface="Times New Roman" panose="02020603050405020304" pitchFamily="18" charset="0"/>
-              </a:rPr>
-              <a:t>Spielerprofil </a:t>
-            </a:r>
-            <a:r>
-              <a:rPr lang="de-DE" sz="1800" i="1" dirty="0">
-                <a:latin typeface="Times New Roman" panose="02020603050405020304" pitchFamily="18" charset="0"/>
-                <a:cs typeface="Times New Roman" panose="02020603050405020304" pitchFamily="18" charset="0"/>
-              </a:rPr>
-              <a:t>– für jeden Nutzer</a:t>
             </a:r>
           </a:p>
         </p:txBody>
@@ -7135,7 +7096,7 @@
                 <a:latin typeface="Times New Roman" panose="02020603050405020304" pitchFamily="18" charset="0"/>
                 <a:cs typeface="Times New Roman" panose="02020603050405020304" pitchFamily="18" charset="0"/>
               </a:rPr>
-              <a:t>/LF0060/ </a:t>
+              <a:t>/LF0110/ </a:t>
             </a:r>
             <a:r>
               <a:rPr lang="de-DE" sz="1800" dirty="0">
@@ -7172,7 +7133,7 @@
                 <a:latin typeface="Times New Roman" panose="02020603050405020304" pitchFamily="18" charset="0"/>
                 <a:cs typeface="Times New Roman" panose="02020603050405020304" pitchFamily="18" charset="0"/>
               </a:rPr>
-              <a:t>/LF0070/ </a:t>
+              <a:t>/LF0120/ </a:t>
             </a:r>
             <a:r>
               <a:rPr lang="de-DE" sz="1800" dirty="0">
@@ -7188,7 +7149,7 @@
                 <a:latin typeface="Times New Roman" panose="02020603050405020304" pitchFamily="18" charset="0"/>
                 <a:cs typeface="Times New Roman" panose="02020603050405020304" pitchFamily="18" charset="0"/>
               </a:rPr>
-              <a:t>/LF0080/ </a:t>
+              <a:t>/LF0130/ </a:t>
             </a:r>
             <a:r>
               <a:rPr lang="de-DE" sz="1800" dirty="0">
@@ -7325,7 +7286,7 @@
                 <a:latin typeface="Times New Roman" panose="02020603050405020304" pitchFamily="18" charset="0"/>
                 <a:cs typeface="Times New Roman" panose="02020603050405020304" pitchFamily="18" charset="0"/>
               </a:rPr>
-              <a:t>/LF0130/ </a:t>
+              <a:t>/LF0210/ </a:t>
             </a:r>
             <a:r>
               <a:rPr lang="de-DE" sz="1800" dirty="0">
@@ -7352,7 +7313,7 @@
                 <a:latin typeface="Times New Roman" panose="02020603050405020304" pitchFamily="18" charset="0"/>
                 <a:cs typeface="Times New Roman" panose="02020603050405020304" pitchFamily="18" charset="0"/>
               </a:rPr>
-              <a:t>/LF0140/ </a:t>
+              <a:t>/LF0220/ </a:t>
             </a:r>
             <a:r>
               <a:rPr lang="de-DE" sz="1800" dirty="0">
@@ -7379,21 +7340,14 @@
                 <a:latin typeface="Times New Roman" panose="02020603050405020304" pitchFamily="18" charset="0"/>
                 <a:cs typeface="Times New Roman" panose="02020603050405020304" pitchFamily="18" charset="0"/>
               </a:rPr>
-              <a:t>/LF0150/ </a:t>
+              <a:t>/LF0230/ </a:t>
             </a:r>
             <a:r>
               <a:rPr lang="de-DE" sz="1800" dirty="0">
                 <a:latin typeface="Times New Roman" panose="02020603050405020304" pitchFamily="18" charset="0"/>
                 <a:cs typeface="Times New Roman" panose="02020603050405020304" pitchFamily="18" charset="0"/>
               </a:rPr>
-              <a:t>Auswertung einer Frage </a:t>
-            </a:r>
-            <a:r>
-              <a:rPr lang="de-DE" sz="1800" i="1" dirty="0">
-                <a:latin typeface="Times New Roman" panose="02020603050405020304" pitchFamily="18" charset="0"/>
-                <a:cs typeface="Times New Roman" panose="02020603050405020304" pitchFamily="18" charset="0"/>
-              </a:rPr>
-              <a:t>– Rückmeldung auf getroffene Auswahl</a:t>
+              <a:t>Anzeige des Punktestands einer Quizrunde</a:t>
             </a:r>
           </a:p>
           <a:p>
@@ -7402,64 +7356,7 @@
                 <a:latin typeface="Times New Roman" panose="02020603050405020304" pitchFamily="18" charset="0"/>
                 <a:cs typeface="Times New Roman" panose="02020603050405020304" pitchFamily="18" charset="0"/>
               </a:rPr>
-              <a:t>/LF0160/ </a:t>
-            </a:r>
-            <a:r>
-              <a:rPr lang="de-DE" sz="1800" dirty="0">
-                <a:latin typeface="Times New Roman" panose="02020603050405020304" pitchFamily="18" charset="0"/>
-                <a:cs typeface="Times New Roman" panose="02020603050405020304" pitchFamily="18" charset="0"/>
-              </a:rPr>
-              <a:t>Anzeige des Punktestands einer Quizrunde</a:t>
-            </a:r>
-          </a:p>
-          <a:p>
-            <a:r>
-              <a:rPr lang="de-DE" sz="1800" b="1" dirty="0">
-                <a:latin typeface="Times New Roman" panose="02020603050405020304" pitchFamily="18" charset="0"/>
-                <a:cs typeface="Times New Roman" panose="02020603050405020304" pitchFamily="18" charset="0"/>
-              </a:rPr>
-              <a:t>/LF0100/ </a:t>
-            </a:r>
-            <a:r>
-              <a:rPr lang="de-DE" sz="1800" dirty="0">
-                <a:latin typeface="Times New Roman" panose="02020603050405020304" pitchFamily="18" charset="0"/>
-                <a:cs typeface="Times New Roman" panose="02020603050405020304" pitchFamily="18" charset="0"/>
-              </a:rPr>
-              <a:t>Ergebnisse ausgeben </a:t>
-            </a:r>
-            <a:r>
-              <a:rPr lang="de-DE" sz="1800" i="1" dirty="0">
-                <a:latin typeface="Times New Roman" panose="02020603050405020304" pitchFamily="18" charset="0"/>
-                <a:cs typeface="Times New Roman" panose="02020603050405020304" pitchFamily="18" charset="0"/>
-              </a:rPr>
-              <a:t>– Erzieltes Ergebnis wird mittels Punktestände und eines </a:t>
-            </a:r>
-            <a:r>
-              <a:rPr lang="de-DE" sz="1800" i="1" dirty="0" err="1">
-                <a:latin typeface="Times New Roman" panose="02020603050405020304" pitchFamily="18" charset="0"/>
-                <a:cs typeface="Times New Roman" panose="02020603050405020304" pitchFamily="18" charset="0"/>
-              </a:rPr>
-              <a:t>Leaderboards</a:t>
-            </a:r>
-            <a:r>
-              <a:rPr lang="de-DE" sz="1800" i="1" dirty="0">
-                <a:latin typeface="Times New Roman" panose="02020603050405020304" pitchFamily="18" charset="0"/>
-                <a:cs typeface="Times New Roman" panose="02020603050405020304" pitchFamily="18" charset="0"/>
-              </a:rPr>
-              <a:t> angezeigt </a:t>
-            </a:r>
-            <a:endParaRPr lang="de-DE" sz="1800" dirty="0">
-              <a:latin typeface="Times New Roman" panose="02020603050405020304" pitchFamily="18" charset="0"/>
-              <a:cs typeface="Times New Roman" panose="02020603050405020304" pitchFamily="18" charset="0"/>
-            </a:endParaRPr>
-          </a:p>
-          <a:p>
-            <a:r>
-              <a:rPr lang="de-DE" sz="1800" b="1" dirty="0">
-                <a:latin typeface="Times New Roman" panose="02020603050405020304" pitchFamily="18" charset="0"/>
-                <a:cs typeface="Times New Roman" panose="02020603050405020304" pitchFamily="18" charset="0"/>
-              </a:rPr>
-              <a:t>/LF0110/ </a:t>
+              <a:t>/LF0240/ </a:t>
             </a:r>
             <a:r>
               <a:rPr lang="de-DE" sz="1800" dirty="0">
@@ -7519,7 +7416,7 @@
             </a:br>
             <a:r>
               <a:rPr lang="de-DE" sz="2200" dirty="0"/>
-              <a:t>Rahmen</a:t>
+              <a:t>1. Rahmen</a:t>
             </a:r>
           </a:p>
         </p:txBody>
@@ -7580,8 +7477,8 @@
         </p:nvSpPr>
         <p:spPr>
           <a:xfrm>
-            <a:off x="252919" y="773317"/>
-            <a:ext cx="2947482" cy="1030316"/>
+            <a:off x="252919" y="773316"/>
+            <a:ext cx="2947482" cy="1181319"/>
           </a:xfrm>
         </p:spPr>
         <p:txBody>
@@ -7599,7 +7496,7 @@
             </a:br>
             <a:r>
               <a:rPr lang="de-DE" sz="2400" dirty="0"/>
-              <a:t>Spielablauf einer Runde</a:t>
+              <a:t>2. Spielablauf einer Runde</a:t>
             </a:r>
           </a:p>
         </p:txBody>
@@ -7690,7 +7587,12 @@
             <p:ph idx="1"/>
           </p:nvPr>
         </p:nvSpPr>
-        <p:spPr/>
+        <p:spPr>
+          <a:xfrm>
+            <a:off x="3869268" y="864108"/>
+            <a:ext cx="7315200" cy="5120640"/>
+          </a:xfrm>
+        </p:spPr>
         <p:txBody>
           <a:bodyPr>
             <a:noAutofit/>
@@ -7702,7 +7604,7 @@
                 <a:latin typeface="Times New Roman" panose="02020603050405020304" pitchFamily="18" charset="0"/>
                 <a:cs typeface="Times New Roman" panose="02020603050405020304" pitchFamily="18" charset="0"/>
               </a:rPr>
-              <a:t>/LFXXXX/ </a:t>
+              <a:t>/LF1210/ </a:t>
             </a:r>
             <a:r>
               <a:rPr lang="de-DE" sz="1800" dirty="0">
@@ -7717,6 +7619,29 @@
                 <a:cs typeface="Times New Roman" panose="02020603050405020304" pitchFamily="18" charset="0"/>
               </a:rPr>
               <a:t>– Gleiche Fragen für Spieler in der Gruppe</a:t>
+            </a:r>
+          </a:p>
+          <a:p>
+            <a:r>
+              <a:rPr lang="de-DE" sz="1800" b="1" dirty="0">
+                <a:latin typeface="Times New Roman" panose="02020603050405020304" pitchFamily="18" charset="0"/>
+                <a:cs typeface="Times New Roman" panose="02020603050405020304" pitchFamily="18" charset="0"/>
+              </a:rPr>
+              <a:t>/LF1220/ </a:t>
+            </a:r>
+            <a:r>
+              <a:rPr lang="de-DE" sz="1800" dirty="0">
+                <a:latin typeface="Times New Roman" panose="02020603050405020304" pitchFamily="18" charset="0"/>
+                <a:cs typeface="Times New Roman" panose="02020603050405020304" pitchFamily="18" charset="0"/>
+              </a:rPr>
+              <a:t>Auswertung einer Frage </a:t>
+            </a:r>
+            <a:r>
+              <a:rPr lang="de-DE" sz="1800" i="1" dirty="0">
+                <a:latin typeface="Times New Roman" panose="02020603050405020304" pitchFamily="18" charset="0"/>
+                <a:cs typeface="Times New Roman" panose="02020603050405020304" pitchFamily="18" charset="0"/>
+              </a:rPr>
+              <a:t>– Rückmeldung auf getroffene Auswahl</a:t>
             </a:r>
             <a:endParaRPr lang="de-DE" sz="1800" dirty="0">
               <a:latin typeface="Times New Roman" panose="02020603050405020304" pitchFamily="18" charset="0"/>
@@ -7729,7 +7654,7 @@
                 <a:latin typeface="Times New Roman" panose="02020603050405020304" pitchFamily="18" charset="0"/>
                 <a:cs typeface="Times New Roman" panose="02020603050405020304" pitchFamily="18" charset="0"/>
               </a:rPr>
-              <a:t>/LFXXXX/ </a:t>
+              <a:t>/LF1230/ </a:t>
             </a:r>
             <a:r>
               <a:rPr lang="de-DE" sz="1800" dirty="0">
@@ -7756,7 +7681,7 @@
                 <a:latin typeface="Times New Roman" panose="02020603050405020304" pitchFamily="18" charset="0"/>
                 <a:cs typeface="Times New Roman" panose="02020603050405020304" pitchFamily="18" charset="0"/>
               </a:rPr>
-              <a:t>/LFXXXX/ </a:t>
+              <a:t>/LF1240/ </a:t>
             </a:r>
             <a:r>
               <a:rPr lang="de-DE" sz="1800" dirty="0">
@@ -7771,53 +7696,116 @@
                 <a:cs typeface="Times New Roman" panose="02020603050405020304" pitchFamily="18" charset="0"/>
               </a:rPr>
               <a:t>– Jackpot-Punkte werden in der letzten Runde verdoppelt und ausgeschüttet</a:t>
+            </a:r>
+          </a:p>
+          <a:p>
+            <a:r>
+              <a:rPr lang="de-DE" sz="1800" b="1" dirty="0">
+                <a:latin typeface="Times New Roman" panose="02020603050405020304" pitchFamily="18" charset="0"/>
+                <a:cs typeface="Times New Roman" panose="02020603050405020304" pitchFamily="18" charset="0"/>
+              </a:rPr>
+              <a:t>/LF01250/ </a:t>
+            </a:r>
+            <a:r>
+              <a:rPr lang="de-DE" sz="1800" dirty="0">
+                <a:latin typeface="Times New Roman" panose="02020603050405020304" pitchFamily="18" charset="0"/>
+                <a:cs typeface="Times New Roman" panose="02020603050405020304" pitchFamily="18" charset="0"/>
+              </a:rPr>
+              <a:t>Ergebnisse ausgeben </a:t>
+            </a:r>
+            <a:r>
+              <a:rPr lang="de-DE" sz="1800" i="1" dirty="0">
+                <a:latin typeface="Times New Roman" panose="02020603050405020304" pitchFamily="18" charset="0"/>
+                <a:cs typeface="Times New Roman" panose="02020603050405020304" pitchFamily="18" charset="0"/>
+              </a:rPr>
+              <a:t>– Erzieltes Ergebnis wird mittels Punktestände und eines </a:t>
+            </a:r>
+            <a:r>
+              <a:rPr lang="de-DE" sz="1800" i="1" dirty="0" err="1">
+                <a:latin typeface="Times New Roman" panose="02020603050405020304" pitchFamily="18" charset="0"/>
+                <a:cs typeface="Times New Roman" panose="02020603050405020304" pitchFamily="18" charset="0"/>
+              </a:rPr>
+              <a:t>Leaderboards</a:t>
+            </a:r>
+            <a:r>
+              <a:rPr lang="de-DE" sz="1800" i="1" dirty="0">
+                <a:latin typeface="Times New Roman" panose="02020603050405020304" pitchFamily="18" charset="0"/>
+                <a:cs typeface="Times New Roman" panose="02020603050405020304" pitchFamily="18" charset="0"/>
+              </a:rPr>
+              <a:t> angezeigt </a:t>
             </a:r>
             <a:endParaRPr lang="de-DE" sz="1800" dirty="0">
               <a:latin typeface="Times New Roman" panose="02020603050405020304" pitchFamily="18" charset="0"/>
               <a:cs typeface="Times New Roman" panose="02020603050405020304" pitchFamily="18" charset="0"/>
             </a:endParaRPr>
           </a:p>
-        </p:txBody>
-      </p:sp>
-      <p:sp>
-        <p:nvSpPr>
-          <p:cNvPr id="4" name="Titel 1">
+          <a:p>
+            <a:endParaRPr lang="de-DE" sz="1800" dirty="0">
+              <a:latin typeface="Times New Roman" panose="02020603050405020304" pitchFamily="18" charset="0"/>
+              <a:cs typeface="Times New Roman" panose="02020603050405020304" pitchFamily="18" charset="0"/>
+            </a:endParaRPr>
+          </a:p>
+        </p:txBody>
+      </p:sp>
+      <p:sp>
+        <p:nvSpPr>
+          <p:cNvPr id="6" name="Titel 1">
             <a:extLst>
               <a:ext uri="{FF2B5EF4-FFF2-40B4-BE49-F238E27FC236}">
-                <a16:creationId xmlns:a16="http://schemas.microsoft.com/office/drawing/2014/main" id="{BF9A87EE-54FB-46B7-902C-FB7760CF944A}"/>
+                <a16:creationId xmlns:a16="http://schemas.microsoft.com/office/drawing/2014/main" id="{B07A0D9E-90CA-4C83-87E3-2D9721D3D471}"/>
               </a:ext>
             </a:extLst>
           </p:cNvPr>
-          <p:cNvSpPr>
-            <a:spLocks noGrp="1"/>
-          </p:cNvSpPr>
-          <p:nvPr>
-            <p:ph type="title"/>
-          </p:nvPr>
+          <p:cNvSpPr txBox="1">
+            <a:spLocks/>
+          </p:cNvSpPr>
+          <p:nvPr/>
         </p:nvSpPr>
         <p:spPr>
           <a:xfrm>
-            <a:off x="252919" y="773317"/>
-            <a:ext cx="2947482" cy="1030316"/>
+            <a:off x="252919" y="773316"/>
+            <a:ext cx="2947482" cy="1181319"/>
           </a:xfrm>
+          <a:prstGeom prst="rect">
+            <a:avLst/>
+          </a:prstGeom>
         </p:spPr>
         <p:txBody>
-          <a:bodyPr>
-            <a:normAutofit/>
+          <a:bodyPr vert="horz" lIns="91440" tIns="45720" rIns="91440" bIns="45720" rtlCol="0" anchor="ctr">
+            <a:normAutofit fontScale="97500" lnSpcReduction="10000"/>
           </a:bodyPr>
-          <a:lstStyle/>
-          <a:p>
-            <a:r>
-              <a:rPr lang="de-DE" sz="3200" dirty="0"/>
+          <a:lstStyle>
+            <a:lvl1pPr algn="l" defTabSz="914400" rtl="0" eaLnBrk="1" latinLnBrk="0" hangingPunct="1">
+              <a:lnSpc>
+                <a:spcPct val="90000"/>
+              </a:lnSpc>
+              <a:spcBef>
+                <a:spcPct val="0"/>
+              </a:spcBef>
+              <a:buNone/>
+              <a:defRPr sz="3600" kern="1200" spc="-60" baseline="0">
+                <a:solidFill>
+                  <a:srgbClr val="FFFFFF"/>
+                </a:solidFill>
+                <a:latin typeface="+mj-lt"/>
+                <a:ea typeface="+mj-ea"/>
+                <a:cs typeface="+mj-cs"/>
+              </a:defRPr>
+            </a:lvl1pPr>
+          </a:lstStyle>
+          <a:p>
+            <a:r>
+              <a:rPr lang="de-DE"/>
               <a:t>1.3 Quiz</a:t>
             </a:r>
             <a:br>
-              <a:rPr lang="de-DE" dirty="0"/>
+              <a:rPr lang="de-DE"/>
             </a:br>
             <a:r>
-              <a:rPr lang="de-DE" sz="2200" dirty="0"/>
-              <a:t>Spielablauf einer Runde</a:t>
-            </a:r>
+              <a:rPr lang="de-DE" sz="2400"/>
+              <a:t>2. Spielablauf einer Runde</a:t>
+            </a:r>
+            <a:endParaRPr lang="de-DE" sz="2400" dirty="0"/>
           </a:p>
         </p:txBody>
       </p:sp>
@@ -7884,7 +7872,7 @@
                 <a:latin typeface="Times New Roman" panose="02020603050405020304" pitchFamily="18" charset="0"/>
                 <a:cs typeface="Times New Roman" panose="02020603050405020304" pitchFamily="18" charset="0"/>
               </a:rPr>
-              <a:t>/LFXXXX/ </a:t>
+              <a:t>/LF2210/ </a:t>
             </a:r>
             <a:r>
               <a:rPr lang="de-DE" sz="1800" dirty="0">
@@ -7911,7 +7899,7 @@
                 <a:latin typeface="Times New Roman" panose="02020603050405020304" pitchFamily="18" charset="0"/>
                 <a:cs typeface="Times New Roman" panose="02020603050405020304" pitchFamily="18" charset="0"/>
               </a:rPr>
-              <a:t>/LFXXXX/ </a:t>
+              <a:t>/LF2220/ </a:t>
             </a:r>
             <a:r>
               <a:rPr lang="de-DE" sz="1800" dirty="0">
@@ -7938,7 +7926,7 @@
                 <a:latin typeface="Times New Roman" panose="02020603050405020304" pitchFamily="18" charset="0"/>
                 <a:cs typeface="Times New Roman" panose="02020603050405020304" pitchFamily="18" charset="0"/>
               </a:rPr>
-              <a:t>/LFXXXX/ </a:t>
+              <a:t>/LF2230/ </a:t>
             </a:r>
             <a:r>
               <a:rPr lang="de-DE" sz="1800" dirty="0">
@@ -7965,7 +7953,7 @@
                 <a:latin typeface="Times New Roman" panose="02020603050405020304" pitchFamily="18" charset="0"/>
                 <a:cs typeface="Times New Roman" panose="02020603050405020304" pitchFamily="18" charset="0"/>
               </a:rPr>
-              <a:t>/LFXXXX/ </a:t>
+              <a:t>/LF2240/ </a:t>
             </a:r>
             <a:r>
               <a:rPr lang="de-DE" sz="1800" dirty="0">
@@ -7992,7 +7980,7 @@
                 <a:latin typeface="Times New Roman" panose="02020603050405020304" pitchFamily="18" charset="0"/>
                 <a:cs typeface="Times New Roman" panose="02020603050405020304" pitchFamily="18" charset="0"/>
               </a:rPr>
-              <a:t>/LFXXXX/ </a:t>
+              <a:t>/LF2250/ </a:t>
             </a:r>
             <a:r>
               <a:rPr lang="de-DE" sz="1800" dirty="0">
@@ -8052,7 +8040,7 @@
             </a:br>
             <a:r>
               <a:rPr lang="de-DE" sz="2200" dirty="0"/>
-              <a:t>Jackpot</a:t>
+              <a:t>3. Jackpot</a:t>
             </a:r>
           </a:p>
         </p:txBody>

--- a/Vortrag/Review_Lastenheft_Folien.pptx
+++ b/Vortrag/Review_Lastenheft_Folien.pptx
@@ -7259,33 +7259,6 @@
                 <a:latin typeface="Times New Roman" panose="02020603050405020304" pitchFamily="18" charset="0"/>
                 <a:cs typeface="Times New Roman" panose="02020603050405020304" pitchFamily="18" charset="0"/>
               </a:rPr>
-              <a:t>/LF0120/ </a:t>
-            </a:r>
-            <a:r>
-              <a:rPr lang="de-DE" sz="1800" dirty="0">
-                <a:latin typeface="Times New Roman" panose="02020603050405020304" pitchFamily="18" charset="0"/>
-                <a:cs typeface="Times New Roman" panose="02020603050405020304" pitchFamily="18" charset="0"/>
-              </a:rPr>
-              <a:t>Fragenpool </a:t>
-            </a:r>
-            <a:r>
-              <a:rPr lang="de-DE" sz="1800" i="1" dirty="0">
-                <a:latin typeface="Times New Roman" panose="02020603050405020304" pitchFamily="18" charset="0"/>
-                <a:cs typeface="Times New Roman" panose="02020603050405020304" pitchFamily="18" charset="0"/>
-              </a:rPr>
-              <a:t>– zu einem Thema, es werden für das Quiz Fragen entnommen </a:t>
-            </a:r>
-            <a:endParaRPr lang="de-DE" sz="1800" dirty="0">
-              <a:latin typeface="Times New Roman" panose="02020603050405020304" pitchFamily="18" charset="0"/>
-              <a:cs typeface="Times New Roman" panose="02020603050405020304" pitchFamily="18" charset="0"/>
-            </a:endParaRPr>
-          </a:p>
-          <a:p>
-            <a:r>
-              <a:rPr lang="de-DE" sz="1800" b="1" dirty="0">
-                <a:latin typeface="Times New Roman" panose="02020603050405020304" pitchFamily="18" charset="0"/>
-                <a:cs typeface="Times New Roman" panose="02020603050405020304" pitchFamily="18" charset="0"/>
-              </a:rPr>
               <a:t>/LF0210/ </a:t>
             </a:r>
             <a:r>
